--- a/Final Presentation__RobAdditions.pptx
+++ b/Final Presentation__RobAdditions.pptx
@@ -2683,6 +2683,42 @@
           </a:prstGeom>
         </p:spPr>
       </p:pic>
+      <p:pic>
+        <p:nvPicPr>
+          <p:cNvPr id="5" name="Picture 4" descr="A screenshot of a cell phone&#10;&#10;Description automatically generated">
+            <a:extLst>
+              <a:ext uri="{FF2B5EF4-FFF2-40B4-BE49-F238E27FC236}">
+                <a16:creationId xmlns:a16="http://schemas.microsoft.com/office/drawing/2014/main" id="{83F3A24B-CF59-EC44-B7A3-08B8AC7EF949}"/>
+              </a:ext>
+            </a:extLst>
+          </p:cNvPr>
+          <p:cNvPicPr>
+            <a:picLocks noChangeAspect="1"/>
+          </p:cNvPicPr>
+          <p:nvPr/>
+        </p:nvPicPr>
+        <p:blipFill>
+          <a:blip r:embed="rId4">
+            <a:extLst>
+              <a:ext uri="{28A0092B-C50C-407E-A947-70E740481C1C}">
+                <a14:useLocalDpi xmlns:a14="http://schemas.microsoft.com/office/drawing/2010/main" val="0"/>
+              </a:ext>
+            </a:extLst>
+          </a:blip>
+          <a:stretch>
+            <a:fillRect/>
+          </a:stretch>
+        </p:blipFill>
+        <p:spPr>
+          <a:xfrm>
+            <a:off x="4343400" y="1905000"/>
+            <a:ext cx="4035778" cy="2724150"/>
+          </a:xfrm>
+          <a:prstGeom prst="rect">
+            <a:avLst/>
+          </a:prstGeom>
+        </p:spPr>
+      </p:pic>
     </p:spTree>
     <p:extLst>
       <p:ext uri="{BB962C8B-B14F-4D97-AF65-F5344CB8AC3E}">
@@ -2911,11 +2947,11 @@
               </a:lnSpc>
             </a:pPr>
             <a:r>
-              <a:rPr lang="en-US" altLang="ko-KR" sz="2000" dirty="0">
+              <a:rPr lang="en-US" altLang="ko-KR" sz="1800" dirty="0">
                 <a:latin typeface="Verdana" panose="020B0604030504040204" pitchFamily="34" charset="0"/>
                 <a:ea typeface="굴림" panose="020B0600000101010101" pitchFamily="34" charset="-127"/>
               </a:rPr>
-              <a:t>Limited data points within the direct path of the storm.</a:t>
+              <a:t>As is typical for a data project, the group was at the mercy of the available data.  Only certain platforms/weather stations acquired the point useful for analysis that lie in a vicinity of the path of the storm.</a:t>
             </a:r>
           </a:p>
           <a:p>
@@ -2924,7 +2960,7 @@
                 <a:spcPct val="80000"/>
               </a:lnSpc>
             </a:pPr>
-            <a:endParaRPr lang="en-US" altLang="ko-KR" sz="2000" dirty="0">
+            <a:endParaRPr lang="en-US" altLang="ko-KR" sz="1800" dirty="0">
               <a:latin typeface="Verdana" panose="020B0604030504040204" pitchFamily="34" charset="0"/>
               <a:ea typeface="굴림" panose="020B0600000101010101" pitchFamily="34" charset="-127"/>
             </a:endParaRPr>
@@ -2936,12 +2972,65 @@
               </a:lnSpc>
             </a:pPr>
             <a:r>
-              <a:rPr lang="en-US" altLang="ko-KR" sz="2000" dirty="0">
+              <a:rPr lang="en-US" altLang="ko-KR" sz="1800" dirty="0">
                 <a:latin typeface="Verdana" panose="020B0604030504040204" pitchFamily="34" charset="0"/>
                 <a:ea typeface="굴림" panose="020B0600000101010101" pitchFamily="34" charset="-127"/>
               </a:rPr>
-              <a:t>Incomplete data sets on some of the original targeted data points.</a:t>
-            </a:r>
+              <a:t>Even as useable sites were located, as the project progressed, it was found that there were several levels of incompleteness regarding the gathered data sets.  For example:</a:t>
+            </a:r>
+          </a:p>
+          <a:p>
+            <a:pPr lvl="1">
+              <a:lnSpc>
+                <a:spcPct val="80000"/>
+              </a:lnSpc>
+            </a:pPr>
+            <a:r>
+              <a:rPr lang="en-US" altLang="ko-KR" sz="1600" dirty="0">
+                <a:latin typeface="Verdana" panose="020B0604030504040204" pitchFamily="34" charset="0"/>
+                <a:ea typeface="굴림" panose="020B0600000101010101" pitchFamily="34" charset="-127"/>
+              </a:rPr>
+              <a:t>Inconsistency of sensor data acquisition by location and time.</a:t>
+            </a:r>
+          </a:p>
+          <a:p>
+            <a:pPr lvl="1">
+              <a:lnSpc>
+                <a:spcPct val="80000"/>
+              </a:lnSpc>
+            </a:pPr>
+            <a:r>
+              <a:rPr lang="en-US" altLang="ko-KR" sz="1600" dirty="0">
+                <a:latin typeface="Verdana" panose="020B0604030504040204" pitchFamily="34" charset="0"/>
+                <a:ea typeface="굴림" panose="020B0600000101010101" pitchFamily="34" charset="-127"/>
+              </a:rPr>
+              <a:t>Sensor calibration.</a:t>
+            </a:r>
+          </a:p>
+          <a:p>
+            <a:pPr lvl="1">
+              <a:lnSpc>
+                <a:spcPct val="80000"/>
+              </a:lnSpc>
+            </a:pPr>
+            <a:r>
+              <a:rPr lang="en-US" altLang="ko-KR" sz="1600" dirty="0">
+                <a:latin typeface="Verdana" panose="020B0604030504040204" pitchFamily="34" charset="0"/>
+                <a:ea typeface="굴림" panose="020B0600000101010101" pitchFamily="34" charset="-127"/>
+              </a:rPr>
+              <a:t>Missing data.</a:t>
+            </a:r>
+          </a:p>
+          <a:p>
+            <a:pPr lvl="1">
+              <a:lnSpc>
+                <a:spcPct val="80000"/>
+              </a:lnSpc>
+            </a:pPr>
+            <a:endParaRPr lang="en-US" altLang="ko-KR" sz="1600" dirty="0">
+              <a:latin typeface="Verdana" panose="020B0604030504040204" pitchFamily="34" charset="0"/>
+              <a:ea typeface="굴림" panose="020B0600000101010101" pitchFamily="34" charset="-127"/>
+            </a:endParaRPr>
           </a:p>
           <a:p>
             <a:pPr>
@@ -2949,23 +3038,40 @@
                 <a:spcPct val="80000"/>
               </a:lnSpc>
             </a:pPr>
-            <a:endParaRPr lang="en-US" altLang="ko-KR" sz="2000" dirty="0">
-              <a:latin typeface="Verdana" panose="020B0604030504040204" pitchFamily="34" charset="0"/>
-              <a:ea typeface="굴림" panose="020B0600000101010101" pitchFamily="34" charset="-127"/>
-            </a:endParaRPr>
-          </a:p>
-          <a:p>
-            <a:pPr>
+            <a:r>
+              <a:rPr lang="en-US" altLang="ko-KR" sz="1800" dirty="0">
+                <a:latin typeface="Verdana" panose="020B0604030504040204" pitchFamily="34" charset="0"/>
+                <a:ea typeface="굴림" panose="020B0600000101010101" pitchFamily="34" charset="-127"/>
+              </a:rPr>
+              <a:t>Erroneous data on some the data sets during the actual Hurricane. </a:t>
+            </a:r>
+          </a:p>
+          <a:p>
+            <a:pPr lvl="1">
               <a:lnSpc>
                 <a:spcPct val="80000"/>
               </a:lnSpc>
             </a:pPr>
             <a:r>
-              <a:rPr lang="en-US" altLang="ko-KR" sz="2000" dirty="0">
+              <a:rPr lang="en-US" altLang="ko-KR" sz="1600" dirty="0">
                 <a:latin typeface="Verdana" panose="020B0604030504040204" pitchFamily="34" charset="0"/>
                 <a:ea typeface="굴림" panose="020B0600000101010101" pitchFamily="34" charset="-127"/>
               </a:rPr>
-              <a:t>Erroneous data on some the data sets during the actual Hurricane. </a:t>
+              <a:t>Several instances of incomplete data during the storm.</a:t>
+            </a:r>
+          </a:p>
+          <a:p>
+            <a:pPr lvl="1">
+              <a:lnSpc>
+                <a:spcPct val="80000"/>
+              </a:lnSpc>
+            </a:pPr>
+            <a:r>
+              <a:rPr lang="en-US" altLang="ko-KR" sz="1600" dirty="0">
+                <a:latin typeface="Verdana" panose="020B0604030504040204" pitchFamily="34" charset="0"/>
+                <a:ea typeface="굴림" panose="020B0600000101010101" pitchFamily="34" charset="-127"/>
+              </a:rPr>
+              <a:t>X,Y,Z data was particularly incomplete.</a:t>
             </a:r>
           </a:p>
           <a:p>
@@ -4869,16 +4975,32 @@
           <a:bodyPr/>
           <a:lstStyle/>
           <a:p>
-            <a:pPr marL="0" indent="0">
+            <a:pPr>
               <a:lnSpc>
                 <a:spcPct val="80000"/>
               </a:lnSpc>
-              <a:buNone/>
             </a:pPr>
-            <a:endParaRPr lang="en-US" altLang="ko-KR" sz="2000" dirty="0">
-              <a:latin typeface="Verdana" panose="020B0604030504040204" pitchFamily="34" charset="0"/>
-              <a:ea typeface="굴림" panose="020B0600000101010101" pitchFamily="34" charset="-127"/>
-            </a:endParaRPr>
+            <a:r>
+              <a:rPr lang="en-US" altLang="ko-KR" sz="1600" dirty="0">
+                <a:latin typeface="Verdana" panose="020B0604030504040204" pitchFamily="34" charset="0"/>
+                <a:ea typeface="굴림" panose="020B0600000101010101" pitchFamily="34" charset="-127"/>
+              </a:rPr>
+              <a:t>The GSOOS site referenced previously was scanned for availability of .csv data.  The Harvey path was cross-referenced for general location.  The seven locations shown contained the most complete data sets in regard to attributes that could be studied: </a:t>
+            </a:r>
+          </a:p>
+          <a:p>
+            <a:pPr lvl="1">
+              <a:lnSpc>
+                <a:spcPct val="80000"/>
+              </a:lnSpc>
+            </a:pPr>
+            <a:r>
+              <a:rPr lang="en-US" altLang="ko-KR" sz="1200" dirty="0">
+                <a:latin typeface="Verdana" panose="020B0604030504040204" pitchFamily="34" charset="0"/>
+                <a:ea typeface="굴림" panose="020B0600000101010101" pitchFamily="34" charset="-127"/>
+              </a:rPr>
+              <a:t>Wind speed was </a:t>
+            </a:r>
           </a:p>
         </p:txBody>
       </p:sp>
@@ -4972,8 +5094,8 @@
         </p:blipFill>
         <p:spPr>
           <a:xfrm>
-            <a:off x="0" y="2164081"/>
-            <a:ext cx="4206240" cy="2103120"/>
+            <a:off x="0" y="1790702"/>
+            <a:ext cx="4800600" cy="2400300"/>
           </a:xfrm>
           <a:prstGeom prst="rect">
             <a:avLst/>
@@ -5002,8 +5124,8 @@
         </p:blipFill>
         <p:spPr>
           <a:xfrm>
-            <a:off x="0" y="4407437"/>
-            <a:ext cx="4206240" cy="2103120"/>
+            <a:off x="0" y="4110257"/>
+            <a:ext cx="4800600" cy="2400300"/>
           </a:xfrm>
           <a:prstGeom prst="rect">
             <a:avLst/>

--- a/Final Presentation__RobAdditions.pptx
+++ b/Final Presentation__RobAdditions.pptx
@@ -2645,8 +2645,8 @@
         </p:blipFill>
         <p:spPr>
           <a:xfrm>
-            <a:off x="0" y="2036128"/>
-            <a:ext cx="4206240" cy="2103120"/>
+            <a:off x="0" y="1718105"/>
+            <a:ext cx="4663532" cy="2331766"/>
           </a:xfrm>
           <a:prstGeom prst="rect">
             <a:avLst/>
@@ -2675,8 +2675,8 @@
         </p:blipFill>
         <p:spPr>
           <a:xfrm>
-            <a:off x="42636" y="4768850"/>
-            <a:ext cx="4206240" cy="2103120"/>
+            <a:off x="21318" y="4236766"/>
+            <a:ext cx="4620896" cy="2310448"/>
           </a:xfrm>
           <a:prstGeom prst="rect">
             <a:avLst/>
@@ -2711,7 +2711,7 @@
         </p:blipFill>
         <p:spPr>
           <a:xfrm>
-            <a:off x="4343400" y="1905000"/>
+            <a:off x="4572000" y="1728991"/>
             <a:ext cx="4035778" cy="2724150"/>
           </a:xfrm>
           <a:prstGeom prst="rect">
@@ -2933,7 +2933,7 @@
         </p:nvSpPr>
         <p:spPr>
           <a:xfrm>
-            <a:off x="1258888" y="1773238"/>
+            <a:off x="1187450" y="1600200"/>
             <a:ext cx="6769100" cy="817562"/>
           </a:xfrm>
         </p:spPr>
@@ -4628,7 +4628,7 @@
         </p:blipFill>
         <p:spPr>
           <a:xfrm>
-            <a:off x="2451902" y="2186777"/>
+            <a:off x="2605096" y="2349052"/>
             <a:ext cx="6327757" cy="4248598"/>
           </a:xfrm>
           <a:prstGeom prst="rect">
@@ -4650,7 +4650,7 @@
         </p:nvSpPr>
         <p:spPr>
           <a:xfrm>
-            <a:off x="4396740" y="4378033"/>
+            <a:off x="4276573" y="4358593"/>
             <a:ext cx="350519" cy="369332"/>
           </a:xfrm>
           <a:prstGeom prst="rect">
@@ -4665,7 +4665,7 @@
           <a:lstStyle/>
           <a:p>
             <a:r>
-              <a:rPr lang="en-US" dirty="0"/>
+              <a:rPr lang="en-US" b="1" dirty="0"/>
               <a:t>D</a:t>
             </a:r>
           </a:p>
@@ -4685,7 +4685,7 @@
         </p:nvSpPr>
         <p:spPr>
           <a:xfrm>
-            <a:off x="3905327" y="4876800"/>
+            <a:off x="3837441" y="4662536"/>
             <a:ext cx="350519" cy="369332"/>
           </a:xfrm>
           <a:prstGeom prst="rect">
@@ -4700,7 +4700,7 @@
           <a:lstStyle/>
           <a:p>
             <a:r>
-              <a:rPr lang="en-US" dirty="0"/>
+              <a:rPr lang="en-US" b="1" dirty="0"/>
               <a:t>C</a:t>
             </a:r>
           </a:p>
@@ -4720,7 +4720,7 @@
         </p:nvSpPr>
         <p:spPr>
           <a:xfrm>
-            <a:off x="3217960" y="4423243"/>
+            <a:off x="3558168" y="4325552"/>
             <a:ext cx="350519" cy="369332"/>
           </a:xfrm>
           <a:prstGeom prst="rect">
@@ -4735,7 +4735,7 @@
           <a:lstStyle/>
           <a:p>
             <a:r>
-              <a:rPr lang="en-US" dirty="0"/>
+              <a:rPr lang="en-US" b="1" dirty="0"/>
               <a:t>A</a:t>
             </a:r>
           </a:p>
@@ -4755,7 +4755,7 @@
         </p:nvSpPr>
         <p:spPr>
           <a:xfrm>
-            <a:off x="3425929" y="4018106"/>
+            <a:off x="3502923" y="3940046"/>
             <a:ext cx="350519" cy="369332"/>
           </a:xfrm>
           <a:prstGeom prst="rect">
@@ -4770,7 +4770,7 @@
           <a:lstStyle/>
           <a:p>
             <a:r>
-              <a:rPr lang="en-US" dirty="0"/>
+              <a:rPr lang="en-US" b="1" dirty="0"/>
               <a:t>E</a:t>
             </a:r>
           </a:p>
@@ -4790,7 +4790,7 @@
         </p:nvSpPr>
         <p:spPr>
           <a:xfrm>
-            <a:off x="3361566" y="4995608"/>
+            <a:off x="3303589" y="4847202"/>
             <a:ext cx="350519" cy="369332"/>
           </a:xfrm>
           <a:prstGeom prst="rect">
@@ -4805,7 +4805,7 @@
           <a:lstStyle/>
           <a:p>
             <a:r>
-              <a:rPr lang="en-US" dirty="0"/>
+              <a:rPr lang="en-US" b="1" dirty="0"/>
               <a:t>F</a:t>
             </a:r>
           </a:p>
@@ -4825,7 +4825,7 @@
         </p:nvSpPr>
         <p:spPr>
           <a:xfrm>
-            <a:off x="3105979" y="5293252"/>
+            <a:off x="3032017" y="5182769"/>
             <a:ext cx="350519" cy="369332"/>
           </a:xfrm>
           <a:prstGeom prst="rect">
@@ -4840,7 +4840,7 @@
           <a:lstStyle/>
           <a:p>
             <a:r>
-              <a:rPr lang="en-US" dirty="0"/>
+              <a:rPr lang="en-US" b="1" dirty="0"/>
               <a:t>B</a:t>
             </a:r>
           </a:p>
@@ -4860,7 +4860,7 @@
         </p:nvSpPr>
         <p:spPr>
           <a:xfrm>
-            <a:off x="3478849" y="4784093"/>
+            <a:off x="3469555" y="4700912"/>
             <a:ext cx="350519" cy="369332"/>
           </a:xfrm>
           <a:prstGeom prst="rect">
@@ -4875,7 +4875,7 @@
           <a:lstStyle/>
           <a:p>
             <a:r>
-              <a:rPr lang="en-US" dirty="0"/>
+              <a:rPr lang="en-US" b="1" dirty="0"/>
               <a:t>G</a:t>
             </a:r>
           </a:p>

--- a/Final Presentation__RobAdditions.pptx
+++ b/Final Presentation__RobAdditions.pptx
@@ -5,7 +5,7 @@
     <p:sldMasterId id="2147483648" r:id="rId1"/>
   </p:sldMasterIdLst>
   <p:handoutMasterIdLst>
-    <p:handoutMasterId r:id="rId17"/>
+    <p:handoutMasterId r:id="rId18"/>
   </p:handoutMasterIdLst>
   <p:sldIdLst>
     <p:sldId id="256" r:id="rId2"/>
@@ -14,15 +14,16 @@
     <p:sldId id="259" r:id="rId5"/>
     <p:sldId id="263" r:id="rId6"/>
     <p:sldId id="264" r:id="rId7"/>
-    <p:sldId id="270" r:id="rId8"/>
-    <p:sldId id="267" r:id="rId9"/>
-    <p:sldId id="266" r:id="rId10"/>
-    <p:sldId id="265" r:id="rId11"/>
-    <p:sldId id="268" r:id="rId12"/>
-    <p:sldId id="260" r:id="rId13"/>
-    <p:sldId id="271" r:id="rId14"/>
-    <p:sldId id="261" r:id="rId15"/>
-    <p:sldId id="262" r:id="rId16"/>
+    <p:sldId id="272" r:id="rId8"/>
+    <p:sldId id="270" r:id="rId9"/>
+    <p:sldId id="267" r:id="rId10"/>
+    <p:sldId id="266" r:id="rId11"/>
+    <p:sldId id="265" r:id="rId12"/>
+    <p:sldId id="268" r:id="rId13"/>
+    <p:sldId id="260" r:id="rId14"/>
+    <p:sldId id="271" r:id="rId15"/>
+    <p:sldId id="261" r:id="rId16"/>
+    <p:sldId id="262" r:id="rId17"/>
   </p:sldIdLst>
   <p:sldSz cx="9144000" cy="6858000" type="screen4x3"/>
   <p:notesSz cx="6858000" cy="9144000"/>
@@ -2615,7 +2616,7 @@
               <a:rPr lang="en-US" altLang="en-US" b="1" dirty="0">
                 <a:latin typeface="Tahoma" panose="020B0604030504040204" pitchFamily="34" charset="0"/>
               </a:rPr>
-              <a:t>Air Pressure</a:t>
+              <a:t>Air Temperature</a:t>
             </a:r>
             <a:endParaRPr lang="uk-UA" altLang="en-US" b="1" dirty="0">
               <a:latin typeface="Tahoma" panose="020B0604030504040204" pitchFamily="34" charset="0"/>
@@ -2628,7 +2629,7 @@
           <p:cNvPr id="2" name="Picture 1">
             <a:extLst>
               <a:ext uri="{FF2B5EF4-FFF2-40B4-BE49-F238E27FC236}">
-                <a16:creationId xmlns:a16="http://schemas.microsoft.com/office/drawing/2014/main" id="{B7DE66FD-1E44-4713-B0D6-C9E346B70396}"/>
+                <a16:creationId xmlns:a16="http://schemas.microsoft.com/office/drawing/2014/main" id="{3ED1D160-DFF6-4574-86AC-93A11EF3ED9E}"/>
               </a:ext>
             </a:extLst>
           </p:cNvPr>
@@ -2645,8 +2646,8 @@
         </p:blipFill>
         <p:spPr>
           <a:xfrm>
-            <a:off x="0" y="1718105"/>
-            <a:ext cx="4663532" cy="2331766"/>
+            <a:off x="0" y="1874058"/>
+            <a:ext cx="4206240" cy="2103120"/>
           </a:xfrm>
           <a:prstGeom prst="rect">
             <a:avLst/>
@@ -2658,7 +2659,7 @@
           <p:cNvPr id="3" name="Picture 2">
             <a:extLst>
               <a:ext uri="{FF2B5EF4-FFF2-40B4-BE49-F238E27FC236}">
-                <a16:creationId xmlns:a16="http://schemas.microsoft.com/office/drawing/2014/main" id="{2D8DBA0E-02FB-4630-9326-93B23AE86DCC}"/>
+                <a16:creationId xmlns:a16="http://schemas.microsoft.com/office/drawing/2014/main" id="{EB4B64CE-B8F1-419F-BB7F-46E858B52A87}"/>
               </a:ext>
             </a:extLst>
           </p:cNvPr>
@@ -2675,54 +2676,53 @@
         </p:blipFill>
         <p:spPr>
           <a:xfrm>
-            <a:off x="21318" y="4236766"/>
-            <a:ext cx="4620896" cy="2310448"/>
+            <a:off x="0" y="4077998"/>
+            <a:ext cx="4206240" cy="2103120"/>
           </a:xfrm>
           <a:prstGeom prst="rect">
             <a:avLst/>
           </a:prstGeom>
         </p:spPr>
       </p:pic>
-      <p:pic>
-        <p:nvPicPr>
-          <p:cNvPr id="5" name="Picture 4" descr="A screenshot of a cell phone&#10;&#10;Description automatically generated">
-            <a:extLst>
-              <a:ext uri="{FF2B5EF4-FFF2-40B4-BE49-F238E27FC236}">
-                <a16:creationId xmlns:a16="http://schemas.microsoft.com/office/drawing/2014/main" id="{83F3A24B-CF59-EC44-B7A3-08B8AC7EF949}"/>
-              </a:ext>
-            </a:extLst>
-          </p:cNvPr>
-          <p:cNvPicPr>
-            <a:picLocks noChangeAspect="1"/>
-          </p:cNvPicPr>
+      <p:sp>
+        <p:nvSpPr>
+          <p:cNvPr id="5" name="TextBox 4">
+            <a:extLst>
+              <a:ext uri="{FF2B5EF4-FFF2-40B4-BE49-F238E27FC236}">
+                <a16:creationId xmlns:a16="http://schemas.microsoft.com/office/drawing/2014/main" id="{DCE431EE-3684-934D-AC4C-45CB83A2C357}"/>
+              </a:ext>
+            </a:extLst>
+          </p:cNvPr>
+          <p:cNvSpPr txBox="1"/>
           <p:nvPr/>
-        </p:nvPicPr>
-        <p:blipFill>
-          <a:blip r:embed="rId4">
-            <a:extLst>
-              <a:ext uri="{28A0092B-C50C-407E-A947-70E740481C1C}">
-                <a14:useLocalDpi xmlns:a14="http://schemas.microsoft.com/office/drawing/2010/main" val="0"/>
-              </a:ext>
-            </a:extLst>
-          </a:blip>
-          <a:stretch>
-            <a:fillRect/>
-          </a:stretch>
-        </p:blipFill>
-        <p:spPr>
-          <a:xfrm>
-            <a:off x="4572000" y="1728991"/>
-            <a:ext cx="4035778" cy="2724150"/>
+        </p:nvSpPr>
+        <p:spPr>
+          <a:xfrm>
+            <a:off x="1600200" y="1491734"/>
+            <a:ext cx="1752600" cy="369332"/>
           </a:xfrm>
           <a:prstGeom prst="rect">
             <a:avLst/>
           </a:prstGeom>
-        </p:spPr>
-      </p:pic>
+          <a:noFill/>
+        </p:spPr>
+        <p:txBody>
+          <a:bodyPr wrap="square" rtlCol="0">
+            <a:spAutoFit/>
+          </a:bodyPr>
+          <a:lstStyle/>
+          <a:p>
+            <a:r>
+              <a:rPr lang="en-US" b="1" dirty="0"/>
+              <a:t>Data Outliers</a:t>
+            </a:r>
+          </a:p>
+        </p:txBody>
+      </p:sp>
     </p:spTree>
     <p:extLst>
       <p:ext uri="{BB962C8B-B14F-4D97-AF65-F5344CB8AC3E}">
-        <p14:creationId xmlns:p14="http://schemas.microsoft.com/office/powerpoint/2010/main" val="1407735642"/>
+        <p14:creationId xmlns:p14="http://schemas.microsoft.com/office/powerpoint/2010/main" val="2652253050"/>
       </p:ext>
     </p:extLst>
   </p:cSld>
@@ -2779,7 +2779,7 @@
               <a:rPr lang="en-US" altLang="en-US" b="1" dirty="0">
                 <a:latin typeface="Tahoma" panose="020B0604030504040204" pitchFamily="34" charset="0"/>
               </a:rPr>
-              <a:t>Wind Speed</a:t>
+              <a:t>Air Pressure</a:t>
             </a:r>
             <a:endParaRPr lang="uk-UA" altLang="en-US" b="1" dirty="0">
               <a:latin typeface="Tahoma" panose="020B0604030504040204" pitchFamily="34" charset="0"/>
@@ -2792,7 +2792,7 @@
           <p:cNvPr id="2" name="Picture 1">
             <a:extLst>
               <a:ext uri="{FF2B5EF4-FFF2-40B4-BE49-F238E27FC236}">
-                <a16:creationId xmlns:a16="http://schemas.microsoft.com/office/drawing/2014/main" id="{49EAE00A-A3E3-40A0-B1E0-978707B2FAB6}"/>
+                <a16:creationId xmlns:a16="http://schemas.microsoft.com/office/drawing/2014/main" id="{B7DE66FD-1E44-4713-B0D6-C9E346B70396}"/>
               </a:ext>
             </a:extLst>
           </p:cNvPr>
@@ -2809,8 +2809,8 @@
         </p:blipFill>
         <p:spPr>
           <a:xfrm>
-            <a:off x="-2628" y="1905000"/>
-            <a:ext cx="4206240" cy="2103120"/>
+            <a:off x="0" y="1718105"/>
+            <a:ext cx="4663532" cy="2331766"/>
           </a:xfrm>
           <a:prstGeom prst="rect">
             <a:avLst/>
@@ -2822,7 +2822,7 @@
           <p:cNvPr id="3" name="Picture 2">
             <a:extLst>
               <a:ext uri="{FF2B5EF4-FFF2-40B4-BE49-F238E27FC236}">
-                <a16:creationId xmlns:a16="http://schemas.microsoft.com/office/drawing/2014/main" id="{966060A3-4AFF-4F19-86E5-C7F37EFBEFEA}"/>
+                <a16:creationId xmlns:a16="http://schemas.microsoft.com/office/drawing/2014/main" id="{2D8DBA0E-02FB-4630-9326-93B23AE86DCC}"/>
               </a:ext>
             </a:extLst>
           </p:cNvPr>
@@ -2839,8 +2839,294 @@
         </p:blipFill>
         <p:spPr>
           <a:xfrm>
-            <a:off x="-2628" y="4494530"/>
-            <a:ext cx="4206240" cy="2103120"/>
+            <a:off x="21318" y="4236766"/>
+            <a:ext cx="4620896" cy="2310448"/>
+          </a:xfrm>
+          <a:prstGeom prst="rect">
+            <a:avLst/>
+          </a:prstGeom>
+        </p:spPr>
+      </p:pic>
+      <p:pic>
+        <p:nvPicPr>
+          <p:cNvPr id="5" name="Picture 4" descr="A screenshot of a cell phone&#10;&#10;Description automatically generated">
+            <a:extLst>
+              <a:ext uri="{FF2B5EF4-FFF2-40B4-BE49-F238E27FC236}">
+                <a16:creationId xmlns:a16="http://schemas.microsoft.com/office/drawing/2014/main" id="{83F3A24B-CF59-EC44-B7A3-08B8AC7EF949}"/>
+              </a:ext>
+            </a:extLst>
+          </p:cNvPr>
+          <p:cNvPicPr>
+            <a:picLocks noChangeAspect="1"/>
+          </p:cNvPicPr>
+          <p:nvPr/>
+        </p:nvPicPr>
+        <p:blipFill>
+          <a:blip r:embed="rId4">
+            <a:extLst>
+              <a:ext uri="{28A0092B-C50C-407E-A947-70E740481C1C}">
+                <a14:useLocalDpi xmlns:a14="http://schemas.microsoft.com/office/drawing/2010/main" val="0"/>
+              </a:ext>
+            </a:extLst>
+          </a:blip>
+          <a:stretch>
+            <a:fillRect/>
+          </a:stretch>
+        </p:blipFill>
+        <p:spPr>
+          <a:xfrm>
+            <a:off x="4642214" y="1741062"/>
+            <a:ext cx="4035778" cy="2724150"/>
+          </a:xfrm>
+          <a:prstGeom prst="rect">
+            <a:avLst/>
+          </a:prstGeom>
+        </p:spPr>
+      </p:pic>
+      <p:sp>
+        <p:nvSpPr>
+          <p:cNvPr id="7" name="TextBox 6">
+            <a:extLst>
+              <a:ext uri="{FF2B5EF4-FFF2-40B4-BE49-F238E27FC236}">
+                <a16:creationId xmlns:a16="http://schemas.microsoft.com/office/drawing/2014/main" id="{35569D51-5822-3942-AA86-08601281FACD}"/>
+              </a:ext>
+            </a:extLst>
+          </p:cNvPr>
+          <p:cNvSpPr txBox="1"/>
+          <p:nvPr/>
+        </p:nvSpPr>
+        <p:spPr>
+          <a:xfrm>
+            <a:off x="1600200" y="1491734"/>
+            <a:ext cx="1752600" cy="369332"/>
+          </a:xfrm>
+          <a:prstGeom prst="rect">
+            <a:avLst/>
+          </a:prstGeom>
+          <a:noFill/>
+        </p:spPr>
+        <p:txBody>
+          <a:bodyPr wrap="square" rtlCol="0">
+            <a:spAutoFit/>
+          </a:bodyPr>
+          <a:lstStyle/>
+          <a:p>
+            <a:r>
+              <a:rPr lang="en-US" b="1" dirty="0"/>
+              <a:t>Data Outliers</a:t>
+            </a:r>
+          </a:p>
+        </p:txBody>
+      </p:sp>
+      <p:sp>
+        <p:nvSpPr>
+          <p:cNvPr id="8" name="TextBox 7">
+            <a:extLst>
+              <a:ext uri="{FF2B5EF4-FFF2-40B4-BE49-F238E27FC236}">
+                <a16:creationId xmlns:a16="http://schemas.microsoft.com/office/drawing/2014/main" id="{82574CE3-92C5-A640-A931-9D286C7CFE86}"/>
+              </a:ext>
+            </a:extLst>
+          </p:cNvPr>
+          <p:cNvSpPr txBox="1"/>
+          <p:nvPr/>
+        </p:nvSpPr>
+        <p:spPr>
+          <a:xfrm>
+            <a:off x="5410200" y="1419349"/>
+            <a:ext cx="2976524" cy="369332"/>
+          </a:xfrm>
+          <a:prstGeom prst="rect">
+            <a:avLst/>
+          </a:prstGeom>
+          <a:noFill/>
+        </p:spPr>
+        <p:txBody>
+          <a:bodyPr wrap="square" rtlCol="0">
+            <a:spAutoFit/>
+          </a:bodyPr>
+          <a:lstStyle/>
+          <a:p>
+            <a:r>
+              <a:rPr lang="en-US" b="1" dirty="0"/>
+              <a:t>Full Data Representation </a:t>
+            </a:r>
+          </a:p>
+        </p:txBody>
+      </p:sp>
+      <p:pic>
+        <p:nvPicPr>
+          <p:cNvPr id="9" name="Picture 8" descr="A screenshot of a cell phone&#10;&#10;Description automatically generated">
+            <a:extLst>
+              <a:ext uri="{FF2B5EF4-FFF2-40B4-BE49-F238E27FC236}">
+                <a16:creationId xmlns:a16="http://schemas.microsoft.com/office/drawing/2014/main" id="{2A115C93-0B83-844A-B6EC-44C450E43615}"/>
+              </a:ext>
+            </a:extLst>
+          </p:cNvPr>
+          <p:cNvPicPr>
+            <a:picLocks noChangeAspect="1"/>
+          </p:cNvPicPr>
+          <p:nvPr/>
+        </p:nvPicPr>
+        <p:blipFill>
+          <a:blip r:embed="rId5">
+            <a:extLst>
+              <a:ext uri="{28A0092B-C50C-407E-A947-70E740481C1C}">
+                <a14:useLocalDpi xmlns:a14="http://schemas.microsoft.com/office/drawing/2010/main" val="0"/>
+              </a:ext>
+            </a:extLst>
+          </a:blip>
+          <a:stretch>
+            <a:fillRect/>
+          </a:stretch>
+        </p:blipFill>
+        <p:spPr>
+          <a:xfrm>
+            <a:off x="6725003" y="4718772"/>
+            <a:ext cx="2257064" cy="743878"/>
+          </a:xfrm>
+          <a:prstGeom prst="rect">
+            <a:avLst/>
+          </a:prstGeom>
+        </p:spPr>
+      </p:pic>
+      <p:pic>
+        <p:nvPicPr>
+          <p:cNvPr id="11" name="Picture 10" descr="A screenshot of a cell phone&#10;&#10;Description automatically generated">
+            <a:extLst>
+              <a:ext uri="{FF2B5EF4-FFF2-40B4-BE49-F238E27FC236}">
+                <a16:creationId xmlns:a16="http://schemas.microsoft.com/office/drawing/2014/main" id="{6DBDD914-A6B5-3848-90EA-95CA6C3A417A}"/>
+              </a:ext>
+            </a:extLst>
+          </p:cNvPr>
+          <p:cNvPicPr>
+            <a:picLocks noChangeAspect="1"/>
+          </p:cNvPicPr>
+          <p:nvPr/>
+        </p:nvPicPr>
+        <p:blipFill>
+          <a:blip r:embed="rId6">
+            <a:extLst>
+              <a:ext uri="{28A0092B-C50C-407E-A947-70E740481C1C}">
+                <a14:useLocalDpi xmlns:a14="http://schemas.microsoft.com/office/drawing/2010/main" val="0"/>
+              </a:ext>
+            </a:extLst>
+          </a:blip>
+          <a:stretch>
+            <a:fillRect/>
+          </a:stretch>
+        </p:blipFill>
+        <p:spPr>
+          <a:xfrm>
+            <a:off x="6727825" y="5740153"/>
+            <a:ext cx="2286000" cy="768684"/>
+          </a:xfrm>
+          <a:prstGeom prst="rect">
+            <a:avLst/>
+          </a:prstGeom>
+        </p:spPr>
+      </p:pic>
+      <p:pic>
+        <p:nvPicPr>
+          <p:cNvPr id="13" name="Picture 12" descr="A screenshot of a cell phone&#10;&#10;Description automatically generated">
+            <a:extLst>
+              <a:ext uri="{FF2B5EF4-FFF2-40B4-BE49-F238E27FC236}">
+                <a16:creationId xmlns:a16="http://schemas.microsoft.com/office/drawing/2014/main" id="{FC6063BA-79C1-E347-A574-CE15370D30A2}"/>
+              </a:ext>
+            </a:extLst>
+          </p:cNvPr>
+          <p:cNvPicPr>
+            <a:picLocks noChangeAspect="1"/>
+          </p:cNvPicPr>
+          <p:nvPr/>
+        </p:nvPicPr>
+        <p:blipFill>
+          <a:blip r:embed="rId7">
+            <a:extLst>
+              <a:ext uri="{28A0092B-C50C-407E-A947-70E740481C1C}">
+                <a14:useLocalDpi xmlns:a14="http://schemas.microsoft.com/office/drawing/2010/main" val="0"/>
+              </a:ext>
+            </a:extLst>
+          </a:blip>
+          <a:stretch>
+            <a:fillRect/>
+          </a:stretch>
+        </p:blipFill>
+        <p:spPr>
+          <a:xfrm>
+            <a:off x="4331758" y="4718771"/>
+            <a:ext cx="2413000" cy="820149"/>
+          </a:xfrm>
+          <a:prstGeom prst="rect">
+            <a:avLst/>
+          </a:prstGeom>
+        </p:spPr>
+      </p:pic>
+      <p:pic>
+        <p:nvPicPr>
+          <p:cNvPr id="15" name="Picture 14" descr="A screenshot of a cell phone&#10;&#10;Description automatically generated">
+            <a:extLst>
+              <a:ext uri="{FF2B5EF4-FFF2-40B4-BE49-F238E27FC236}">
+                <a16:creationId xmlns:a16="http://schemas.microsoft.com/office/drawing/2014/main" id="{35FC947B-8FF2-6243-86CC-E43931B5EE94}"/>
+              </a:ext>
+            </a:extLst>
+          </p:cNvPr>
+          <p:cNvPicPr>
+            <a:picLocks noChangeAspect="1"/>
+          </p:cNvPicPr>
+          <p:nvPr/>
+        </p:nvPicPr>
+        <p:blipFill>
+          <a:blip r:embed="rId8">
+            <a:extLst>
+              <a:ext uri="{28A0092B-C50C-407E-A947-70E740481C1C}">
+                <a14:useLocalDpi xmlns:a14="http://schemas.microsoft.com/office/drawing/2010/main" val="0"/>
+              </a:ext>
+            </a:extLst>
+          </a:blip>
+          <a:stretch>
+            <a:fillRect/>
+          </a:stretch>
+        </p:blipFill>
+        <p:spPr>
+          <a:xfrm>
+            <a:off x="4391036" y="5705122"/>
+            <a:ext cx="2286000" cy="798071"/>
+          </a:xfrm>
+          <a:prstGeom prst="rect">
+            <a:avLst/>
+          </a:prstGeom>
+        </p:spPr>
+      </p:pic>
+      <p:pic>
+        <p:nvPicPr>
+          <p:cNvPr id="17" name="Picture 16" descr="A screenshot of a cell phone&#10;&#10;Description automatically generated">
+            <a:extLst>
+              <a:ext uri="{FF2B5EF4-FFF2-40B4-BE49-F238E27FC236}">
+                <a16:creationId xmlns:a16="http://schemas.microsoft.com/office/drawing/2014/main" id="{C2F5B366-9AE3-504C-96C1-518AA1682A1B}"/>
+              </a:ext>
+            </a:extLst>
+          </p:cNvPr>
+          <p:cNvPicPr>
+            <a:picLocks noChangeAspect="1"/>
+          </p:cNvPicPr>
+          <p:nvPr/>
+        </p:nvPicPr>
+        <p:blipFill>
+          <a:blip r:embed="rId9">
+            <a:extLst>
+              <a:ext uri="{28A0092B-C50C-407E-A947-70E740481C1C}">
+                <a14:useLocalDpi xmlns:a14="http://schemas.microsoft.com/office/drawing/2010/main" val="0"/>
+              </a:ext>
+            </a:extLst>
+          </a:blip>
+          <a:stretch>
+            <a:fillRect/>
+          </a:stretch>
+        </p:blipFill>
+        <p:spPr>
+          <a:xfrm>
+            <a:off x="3680139" y="3427130"/>
+            <a:ext cx="2713455" cy="876300"/>
           </a:xfrm>
           <a:prstGeom prst="rect">
             <a:avLst/>
@@ -2850,7 +3136,7 @@
     </p:spTree>
     <p:extLst>
       <p:ext uri="{BB962C8B-B14F-4D97-AF65-F5344CB8AC3E}">
-        <p14:creationId xmlns:p14="http://schemas.microsoft.com/office/powerpoint/2010/main" val="2918442361"/>
+        <p14:creationId xmlns:p14="http://schemas.microsoft.com/office/powerpoint/2010/main" val="1407735642"/>
       </p:ext>
     </p:extLst>
   </p:cSld>
@@ -2907,7 +3193,7 @@
               <a:rPr lang="en-US" altLang="en-US" b="1" dirty="0">
                 <a:latin typeface="Tahoma" panose="020B0604030504040204" pitchFamily="34" charset="0"/>
               </a:rPr>
-              <a:t>Limitations </a:t>
+              <a:t>Wind Speed</a:t>
             </a:r>
             <a:endParaRPr lang="uk-UA" altLang="en-US" b="1" dirty="0">
               <a:latin typeface="Tahoma" panose="020B0604030504040204" pitchFamily="34" charset="0"/>
@@ -2915,182 +3201,105 @@
           </a:p>
         </p:txBody>
       </p:sp>
+      <p:pic>
+        <p:nvPicPr>
+          <p:cNvPr id="2" name="Picture 1">
+            <a:extLst>
+              <a:ext uri="{FF2B5EF4-FFF2-40B4-BE49-F238E27FC236}">
+                <a16:creationId xmlns:a16="http://schemas.microsoft.com/office/drawing/2014/main" id="{49EAE00A-A3E3-40A0-B1E0-978707B2FAB6}"/>
+              </a:ext>
+            </a:extLst>
+          </p:cNvPr>
+          <p:cNvPicPr>
+            <a:picLocks noChangeAspect="1"/>
+          </p:cNvPicPr>
+          <p:nvPr/>
+        </p:nvPicPr>
+        <p:blipFill>
+          <a:blip r:embed="rId2"/>
+          <a:stretch>
+            <a:fillRect/>
+          </a:stretch>
+        </p:blipFill>
+        <p:spPr>
+          <a:xfrm>
+            <a:off x="-2628" y="1606506"/>
+            <a:ext cx="4803228" cy="2401614"/>
+          </a:xfrm>
+          <a:prstGeom prst="rect">
+            <a:avLst/>
+          </a:prstGeom>
+        </p:spPr>
+      </p:pic>
+      <p:pic>
+        <p:nvPicPr>
+          <p:cNvPr id="3" name="Picture 2">
+            <a:extLst>
+              <a:ext uri="{FF2B5EF4-FFF2-40B4-BE49-F238E27FC236}">
+                <a16:creationId xmlns:a16="http://schemas.microsoft.com/office/drawing/2014/main" id="{966060A3-4AFF-4F19-86E5-C7F37EFBEFEA}"/>
+              </a:ext>
+            </a:extLst>
+          </p:cNvPr>
+          <p:cNvPicPr>
+            <a:picLocks noChangeAspect="1"/>
+          </p:cNvPicPr>
+          <p:nvPr/>
+        </p:nvPicPr>
+        <p:blipFill>
+          <a:blip r:embed="rId3"/>
+          <a:stretch>
+            <a:fillRect/>
+          </a:stretch>
+        </p:blipFill>
+        <p:spPr>
+          <a:xfrm>
+            <a:off x="-2628" y="4196036"/>
+            <a:ext cx="4803228" cy="2401614"/>
+          </a:xfrm>
+          <a:prstGeom prst="rect">
+            <a:avLst/>
+          </a:prstGeom>
+        </p:spPr>
+      </p:pic>
       <p:sp>
         <p:nvSpPr>
-          <p:cNvPr id="36867" name="Rectangle 3">
-            <a:extLst>
-              <a:ext uri="{FF2B5EF4-FFF2-40B4-BE49-F238E27FC236}">
-                <a16:creationId xmlns:a16="http://schemas.microsoft.com/office/drawing/2014/main" id="{C23C7164-0E03-4DD7-9D9B-C0EC897A2618}"/>
-              </a:ext>
-            </a:extLst>
-          </p:cNvPr>
-          <p:cNvSpPr>
-            <a:spLocks noGrp="1" noChangeArrowheads="1"/>
-          </p:cNvSpPr>
-          <p:nvPr>
-            <p:ph type="body" idx="1"/>
-          </p:nvPr>
+          <p:cNvPr id="5" name="TextBox 4">
+            <a:extLst>
+              <a:ext uri="{FF2B5EF4-FFF2-40B4-BE49-F238E27FC236}">
+                <a16:creationId xmlns:a16="http://schemas.microsoft.com/office/drawing/2014/main" id="{48FA9199-67A3-014F-BACF-5E5C8A067814}"/>
+              </a:ext>
+            </a:extLst>
+          </p:cNvPr>
+          <p:cNvSpPr txBox="1"/>
+          <p:nvPr/>
         </p:nvSpPr>
         <p:spPr>
           <a:xfrm>
-            <a:off x="1187450" y="1600200"/>
-            <a:ext cx="6769100" cy="817562"/>
-          </a:xfrm>
+            <a:off x="1600200" y="1371600"/>
+            <a:ext cx="1752600" cy="369332"/>
+          </a:xfrm>
+          <a:prstGeom prst="rect">
+            <a:avLst/>
+          </a:prstGeom>
+          <a:noFill/>
         </p:spPr>
         <p:txBody>
-          <a:bodyPr/>
+          <a:bodyPr wrap="square" rtlCol="0">
+            <a:spAutoFit/>
+          </a:bodyPr>
           <a:lstStyle/>
           <a:p>
-            <a:pPr>
-              <a:lnSpc>
-                <a:spcPct val="80000"/>
-              </a:lnSpc>
-            </a:pPr>
-            <a:r>
-              <a:rPr lang="en-US" altLang="ko-KR" sz="1800" dirty="0">
-                <a:latin typeface="Verdana" panose="020B0604030504040204" pitchFamily="34" charset="0"/>
-                <a:ea typeface="굴림" panose="020B0600000101010101" pitchFamily="34" charset="-127"/>
-              </a:rPr>
-              <a:t>As is typical for a data project, the group was at the mercy of the available data.  Only certain platforms/weather stations acquired the point useful for analysis that lie in a vicinity of the path of the storm.</a:t>
-            </a:r>
-          </a:p>
-          <a:p>
-            <a:pPr>
-              <a:lnSpc>
-                <a:spcPct val="80000"/>
-              </a:lnSpc>
-            </a:pPr>
-            <a:endParaRPr lang="en-US" altLang="ko-KR" sz="1800" dirty="0">
-              <a:latin typeface="Verdana" panose="020B0604030504040204" pitchFamily="34" charset="0"/>
-              <a:ea typeface="굴림" panose="020B0600000101010101" pitchFamily="34" charset="-127"/>
-            </a:endParaRPr>
-          </a:p>
-          <a:p>
-            <a:pPr>
-              <a:lnSpc>
-                <a:spcPct val="80000"/>
-              </a:lnSpc>
-            </a:pPr>
-            <a:r>
-              <a:rPr lang="en-US" altLang="ko-KR" sz="1800" dirty="0">
-                <a:latin typeface="Verdana" panose="020B0604030504040204" pitchFamily="34" charset="0"/>
-                <a:ea typeface="굴림" panose="020B0600000101010101" pitchFamily="34" charset="-127"/>
-              </a:rPr>
-              <a:t>Even as useable sites were located, as the project progressed, it was found that there were several levels of incompleteness regarding the gathered data sets.  For example:</a:t>
-            </a:r>
-          </a:p>
-          <a:p>
-            <a:pPr lvl="1">
-              <a:lnSpc>
-                <a:spcPct val="80000"/>
-              </a:lnSpc>
-            </a:pPr>
-            <a:r>
-              <a:rPr lang="en-US" altLang="ko-KR" sz="1600" dirty="0">
-                <a:latin typeface="Verdana" panose="020B0604030504040204" pitchFamily="34" charset="0"/>
-                <a:ea typeface="굴림" panose="020B0600000101010101" pitchFamily="34" charset="-127"/>
-              </a:rPr>
-              <a:t>Inconsistency of sensor data acquisition by location and time.</a:t>
-            </a:r>
-          </a:p>
-          <a:p>
-            <a:pPr lvl="1">
-              <a:lnSpc>
-                <a:spcPct val="80000"/>
-              </a:lnSpc>
-            </a:pPr>
-            <a:r>
-              <a:rPr lang="en-US" altLang="ko-KR" sz="1600" dirty="0">
-                <a:latin typeface="Verdana" panose="020B0604030504040204" pitchFamily="34" charset="0"/>
-                <a:ea typeface="굴림" panose="020B0600000101010101" pitchFamily="34" charset="-127"/>
-              </a:rPr>
-              <a:t>Sensor calibration.</a:t>
-            </a:r>
-          </a:p>
-          <a:p>
-            <a:pPr lvl="1">
-              <a:lnSpc>
-                <a:spcPct val="80000"/>
-              </a:lnSpc>
-            </a:pPr>
-            <a:r>
-              <a:rPr lang="en-US" altLang="ko-KR" sz="1600" dirty="0">
-                <a:latin typeface="Verdana" panose="020B0604030504040204" pitchFamily="34" charset="0"/>
-                <a:ea typeface="굴림" panose="020B0600000101010101" pitchFamily="34" charset="-127"/>
-              </a:rPr>
-              <a:t>Missing data.</a:t>
-            </a:r>
-          </a:p>
-          <a:p>
-            <a:pPr lvl="1">
-              <a:lnSpc>
-                <a:spcPct val="80000"/>
-              </a:lnSpc>
-            </a:pPr>
-            <a:endParaRPr lang="en-US" altLang="ko-KR" sz="1600" dirty="0">
-              <a:latin typeface="Verdana" panose="020B0604030504040204" pitchFamily="34" charset="0"/>
-              <a:ea typeface="굴림" panose="020B0600000101010101" pitchFamily="34" charset="-127"/>
-            </a:endParaRPr>
-          </a:p>
-          <a:p>
-            <a:pPr>
-              <a:lnSpc>
-                <a:spcPct val="80000"/>
-              </a:lnSpc>
-            </a:pPr>
-            <a:r>
-              <a:rPr lang="en-US" altLang="ko-KR" sz="1800" dirty="0">
-                <a:latin typeface="Verdana" panose="020B0604030504040204" pitchFamily="34" charset="0"/>
-                <a:ea typeface="굴림" panose="020B0600000101010101" pitchFamily="34" charset="-127"/>
-              </a:rPr>
-              <a:t>Erroneous data on some the data sets during the actual Hurricane. </a:t>
-            </a:r>
-          </a:p>
-          <a:p>
-            <a:pPr lvl="1">
-              <a:lnSpc>
-                <a:spcPct val="80000"/>
-              </a:lnSpc>
-            </a:pPr>
-            <a:r>
-              <a:rPr lang="en-US" altLang="ko-KR" sz="1600" dirty="0">
-                <a:latin typeface="Verdana" panose="020B0604030504040204" pitchFamily="34" charset="0"/>
-                <a:ea typeface="굴림" panose="020B0600000101010101" pitchFamily="34" charset="-127"/>
-              </a:rPr>
-              <a:t>Several instances of incomplete data during the storm.</a:t>
-            </a:r>
-          </a:p>
-          <a:p>
-            <a:pPr lvl="1">
-              <a:lnSpc>
-                <a:spcPct val="80000"/>
-              </a:lnSpc>
-            </a:pPr>
-            <a:r>
-              <a:rPr lang="en-US" altLang="ko-KR" sz="1600" dirty="0">
-                <a:latin typeface="Verdana" panose="020B0604030504040204" pitchFamily="34" charset="0"/>
-                <a:ea typeface="굴림" panose="020B0600000101010101" pitchFamily="34" charset="-127"/>
-              </a:rPr>
-              <a:t>X,Y,Z data was particularly incomplete.</a:t>
-            </a:r>
-          </a:p>
-          <a:p>
-            <a:pPr>
-              <a:lnSpc>
-                <a:spcPct val="80000"/>
-              </a:lnSpc>
-            </a:pPr>
-            <a:endParaRPr lang="en-US" altLang="ko-KR" sz="2000" dirty="0">
-              <a:latin typeface="Verdana" panose="020B0604030504040204" pitchFamily="34" charset="0"/>
-              <a:ea typeface="굴림" panose="020B0600000101010101" pitchFamily="34" charset="-127"/>
-            </a:endParaRPr>
+            <a:r>
+              <a:rPr lang="en-US" b="1" dirty="0"/>
+              <a:t>Data Outliers</a:t>
+            </a:r>
           </a:p>
         </p:txBody>
       </p:sp>
     </p:spTree>
     <p:extLst>
       <p:ext uri="{BB962C8B-B14F-4D97-AF65-F5344CB8AC3E}">
-        <p14:creationId xmlns:p14="http://schemas.microsoft.com/office/powerpoint/2010/main" val="3308262467"/>
+        <p14:creationId xmlns:p14="http://schemas.microsoft.com/office/powerpoint/2010/main" val="2918442361"/>
       </p:ext>
     </p:extLst>
   </p:cSld>
@@ -3147,7 +3356,7 @@
               <a:rPr lang="en-US" altLang="en-US" b="1" dirty="0">
                 <a:latin typeface="Tahoma" panose="020B0604030504040204" pitchFamily="34" charset="0"/>
               </a:rPr>
-              <a:t>Conclusions</a:t>
+              <a:t>Limitations </a:t>
             </a:r>
             <a:endParaRPr lang="uk-UA" altLang="en-US" b="1" dirty="0">
               <a:latin typeface="Tahoma" panose="020B0604030504040204" pitchFamily="34" charset="0"/>
@@ -3173,13 +3382,147 @@
         </p:nvSpPr>
         <p:spPr>
           <a:xfrm>
-            <a:off x="1258888" y="1773238"/>
+            <a:off x="1187450" y="1600200"/>
             <a:ext cx="6769100" cy="817562"/>
           </a:xfrm>
         </p:spPr>
         <p:txBody>
           <a:bodyPr/>
           <a:lstStyle/>
+          <a:p>
+            <a:pPr>
+              <a:lnSpc>
+                <a:spcPct val="80000"/>
+              </a:lnSpc>
+            </a:pPr>
+            <a:r>
+              <a:rPr lang="en-US" altLang="ko-KR" sz="1800" dirty="0">
+                <a:latin typeface="Verdana" panose="020B0604030504040204" pitchFamily="34" charset="0"/>
+                <a:ea typeface="굴림" panose="020B0600000101010101" pitchFamily="34" charset="-127"/>
+              </a:rPr>
+              <a:t>As is typical for a data project, the group was at the mercy of the available data.  Only certain platforms/weather stations acquired the point useful for analysis that lie in a vicinity of the path of the storm.</a:t>
+            </a:r>
+          </a:p>
+          <a:p>
+            <a:pPr>
+              <a:lnSpc>
+                <a:spcPct val="80000"/>
+              </a:lnSpc>
+            </a:pPr>
+            <a:endParaRPr lang="en-US" altLang="ko-KR" sz="1800" dirty="0">
+              <a:latin typeface="Verdana" panose="020B0604030504040204" pitchFamily="34" charset="0"/>
+              <a:ea typeface="굴림" panose="020B0600000101010101" pitchFamily="34" charset="-127"/>
+            </a:endParaRPr>
+          </a:p>
+          <a:p>
+            <a:pPr>
+              <a:lnSpc>
+                <a:spcPct val="80000"/>
+              </a:lnSpc>
+            </a:pPr>
+            <a:r>
+              <a:rPr lang="en-US" altLang="ko-KR" sz="1800" dirty="0">
+                <a:latin typeface="Verdana" panose="020B0604030504040204" pitchFamily="34" charset="0"/>
+                <a:ea typeface="굴림" panose="020B0600000101010101" pitchFamily="34" charset="-127"/>
+              </a:rPr>
+              <a:t>Even as useable sites were located, as the project progressed, it was found that there were several levels of incompleteness regarding the gathered data sets.  For example:</a:t>
+            </a:r>
+          </a:p>
+          <a:p>
+            <a:pPr lvl="1">
+              <a:lnSpc>
+                <a:spcPct val="80000"/>
+              </a:lnSpc>
+            </a:pPr>
+            <a:r>
+              <a:rPr lang="en-US" altLang="ko-KR" sz="1600" dirty="0">
+                <a:latin typeface="Verdana" panose="020B0604030504040204" pitchFamily="34" charset="0"/>
+                <a:ea typeface="굴림" panose="020B0600000101010101" pitchFamily="34" charset="-127"/>
+              </a:rPr>
+              <a:t>Inconsistency of sensor data acquisition by location and time.</a:t>
+            </a:r>
+          </a:p>
+          <a:p>
+            <a:pPr lvl="1">
+              <a:lnSpc>
+                <a:spcPct val="80000"/>
+              </a:lnSpc>
+            </a:pPr>
+            <a:r>
+              <a:rPr lang="en-US" altLang="ko-KR" sz="1600" dirty="0">
+                <a:latin typeface="Verdana" panose="020B0604030504040204" pitchFamily="34" charset="0"/>
+                <a:ea typeface="굴림" panose="020B0600000101010101" pitchFamily="34" charset="-127"/>
+              </a:rPr>
+              <a:t>Sensor calibration.</a:t>
+            </a:r>
+          </a:p>
+          <a:p>
+            <a:pPr lvl="1">
+              <a:lnSpc>
+                <a:spcPct val="80000"/>
+              </a:lnSpc>
+            </a:pPr>
+            <a:r>
+              <a:rPr lang="en-US" altLang="ko-KR" sz="1600" dirty="0">
+                <a:latin typeface="Verdana" panose="020B0604030504040204" pitchFamily="34" charset="0"/>
+                <a:ea typeface="굴림" panose="020B0600000101010101" pitchFamily="34" charset="-127"/>
+              </a:rPr>
+              <a:t>Missing data.</a:t>
+            </a:r>
+          </a:p>
+          <a:p>
+            <a:pPr lvl="1">
+              <a:lnSpc>
+                <a:spcPct val="80000"/>
+              </a:lnSpc>
+            </a:pPr>
+            <a:endParaRPr lang="en-US" altLang="ko-KR" sz="1600" dirty="0">
+              <a:latin typeface="Verdana" panose="020B0604030504040204" pitchFamily="34" charset="0"/>
+              <a:ea typeface="굴림" panose="020B0600000101010101" pitchFamily="34" charset="-127"/>
+            </a:endParaRPr>
+          </a:p>
+          <a:p>
+            <a:pPr>
+              <a:lnSpc>
+                <a:spcPct val="80000"/>
+              </a:lnSpc>
+            </a:pPr>
+            <a:r>
+              <a:rPr lang="en-US" altLang="ko-KR" sz="1800" dirty="0">
+                <a:latin typeface="Verdana" panose="020B0604030504040204" pitchFamily="34" charset="0"/>
+                <a:ea typeface="굴림" panose="020B0600000101010101" pitchFamily="34" charset="-127"/>
+              </a:rPr>
+              <a:t>Erroneous data on some the data sets during the actual Hurricane. </a:t>
+            </a:r>
+          </a:p>
+          <a:p>
+            <a:pPr lvl="1">
+              <a:lnSpc>
+                <a:spcPct val="80000"/>
+              </a:lnSpc>
+            </a:pPr>
+            <a:r>
+              <a:rPr lang="en-US" altLang="ko-KR" sz="1600" dirty="0">
+                <a:latin typeface="Verdana" panose="020B0604030504040204" pitchFamily="34" charset="0"/>
+                <a:ea typeface="굴림" panose="020B0600000101010101" pitchFamily="34" charset="-127"/>
+              </a:rPr>
+              <a:t>Several instances of incomplete data during the storm.</a:t>
+            </a:r>
+          </a:p>
+          <a:p>
+            <a:pPr lvl="1">
+              <a:lnSpc>
+                <a:spcPct val="80000"/>
+              </a:lnSpc>
+            </a:pPr>
+            <a:r>
+              <a:rPr lang="en-US" altLang="ko-KR" sz="1600" dirty="0">
+                <a:latin typeface="Verdana" panose="020B0604030504040204" pitchFamily="34" charset="0"/>
+                <a:ea typeface="굴림" panose="020B0600000101010101" pitchFamily="34" charset="-127"/>
+              </a:rPr>
+              <a:t>X,Y,Z data was particularly incomplete.</a:t>
+            </a:r>
+          </a:p>
           <a:p>
             <a:pPr>
               <a:lnSpc>
@@ -3196,7 +3539,7 @@
     </p:spTree>
     <p:extLst>
       <p:ext uri="{BB962C8B-B14F-4D97-AF65-F5344CB8AC3E}">
-        <p14:creationId xmlns:p14="http://schemas.microsoft.com/office/powerpoint/2010/main" val="2238731308"/>
+        <p14:creationId xmlns:p14="http://schemas.microsoft.com/office/powerpoint/2010/main" val="3308262467"/>
       </p:ext>
     </p:extLst>
   </p:cSld>
@@ -3253,6 +3596,112 @@
               <a:rPr lang="en-US" altLang="en-US" b="1" dirty="0">
                 <a:latin typeface="Tahoma" panose="020B0604030504040204" pitchFamily="34" charset="0"/>
               </a:rPr>
+              <a:t>Conclusions</a:t>
+            </a:r>
+            <a:endParaRPr lang="uk-UA" altLang="en-US" b="1" dirty="0">
+              <a:latin typeface="Tahoma" panose="020B0604030504040204" pitchFamily="34" charset="0"/>
+            </a:endParaRPr>
+          </a:p>
+        </p:txBody>
+      </p:sp>
+      <p:sp>
+        <p:nvSpPr>
+          <p:cNvPr id="36867" name="Rectangle 3">
+            <a:extLst>
+              <a:ext uri="{FF2B5EF4-FFF2-40B4-BE49-F238E27FC236}">
+                <a16:creationId xmlns:a16="http://schemas.microsoft.com/office/drawing/2014/main" id="{C23C7164-0E03-4DD7-9D9B-C0EC897A2618}"/>
+              </a:ext>
+            </a:extLst>
+          </p:cNvPr>
+          <p:cNvSpPr>
+            <a:spLocks noGrp="1" noChangeArrowheads="1"/>
+          </p:cNvSpPr>
+          <p:nvPr>
+            <p:ph type="body" idx="1"/>
+          </p:nvPr>
+        </p:nvSpPr>
+        <p:spPr>
+          <a:xfrm>
+            <a:off x="1258888" y="1773238"/>
+            <a:ext cx="6769100" cy="817562"/>
+          </a:xfrm>
+        </p:spPr>
+        <p:txBody>
+          <a:bodyPr/>
+          <a:lstStyle/>
+          <a:p>
+            <a:pPr>
+              <a:lnSpc>
+                <a:spcPct val="80000"/>
+              </a:lnSpc>
+            </a:pPr>
+            <a:endParaRPr lang="en-US" altLang="ko-KR" sz="2000" dirty="0">
+              <a:latin typeface="Verdana" panose="020B0604030504040204" pitchFamily="34" charset="0"/>
+              <a:ea typeface="굴림" panose="020B0600000101010101" pitchFamily="34" charset="-127"/>
+            </a:endParaRPr>
+          </a:p>
+        </p:txBody>
+      </p:sp>
+    </p:spTree>
+    <p:extLst>
+      <p:ext uri="{BB962C8B-B14F-4D97-AF65-F5344CB8AC3E}">
+        <p14:creationId xmlns:p14="http://schemas.microsoft.com/office/powerpoint/2010/main" val="2238731308"/>
+      </p:ext>
+    </p:extLst>
+  </p:cSld>
+  <p:clrMapOvr>
+    <a:masterClrMapping/>
+  </p:clrMapOvr>
+</p:sld>
+</file>
+
+<file path=ppt/slides/slide15.xml><?xml version="1.0" encoding="utf-8"?>
+<p:sld xmlns:a="http://schemas.openxmlformats.org/drawingml/2006/main" xmlns:r="http://schemas.openxmlformats.org/officeDocument/2006/relationships" xmlns:p="http://schemas.openxmlformats.org/presentationml/2006/main">
+  <p:cSld>
+    <p:spTree>
+      <p:nvGrpSpPr>
+        <p:cNvPr id="1" name=""/>
+        <p:cNvGrpSpPr/>
+        <p:nvPr/>
+      </p:nvGrpSpPr>
+      <p:grpSpPr>
+        <a:xfrm>
+          <a:off x="0" y="0"/>
+          <a:ext cx="0" cy="0"/>
+          <a:chOff x="0" y="0"/>
+          <a:chExt cx="0" cy="0"/>
+        </a:xfrm>
+      </p:grpSpPr>
+      <p:sp>
+        <p:nvSpPr>
+          <p:cNvPr id="36866" name="Rectangle 2">
+            <a:extLst>
+              <a:ext uri="{FF2B5EF4-FFF2-40B4-BE49-F238E27FC236}">
+                <a16:creationId xmlns:a16="http://schemas.microsoft.com/office/drawing/2014/main" id="{9A8C6E0B-F389-42F4-BDF4-0BB8546E6D31}"/>
+              </a:ext>
+            </a:extLst>
+          </p:cNvPr>
+          <p:cNvSpPr>
+            <a:spLocks noGrp="1" noChangeArrowheads="1"/>
+          </p:cNvSpPr>
+          <p:nvPr>
+            <p:ph type="title"/>
+          </p:nvPr>
+        </p:nvSpPr>
+        <p:spPr>
+          <a:xfrm>
+            <a:off x="2698750" y="260350"/>
+            <a:ext cx="5834063" cy="649288"/>
+          </a:xfrm>
+        </p:spPr>
+        <p:txBody>
+          <a:bodyPr/>
+          <a:lstStyle/>
+          <a:p>
+            <a:r>
+              <a:rPr lang="en-US" altLang="en-US" b="1" dirty="0">
+                <a:latin typeface="Tahoma" panose="020B0604030504040204" pitchFamily="34" charset="0"/>
+              </a:rPr>
               <a:t>Findings</a:t>
             </a:r>
             <a:endParaRPr lang="uk-UA" altLang="en-US" b="1" dirty="0">
@@ -3312,7 +3761,7 @@
 </p:sld>
 </file>
 
-<file path=ppt/slides/slide15.xml><?xml version="1.0" encoding="utf-8"?>
+<file path=ppt/slides/slide16.xml><?xml version="1.0" encoding="utf-8"?>
 <p:sld xmlns:a="http://schemas.openxmlformats.org/drawingml/2006/main" xmlns:r="http://schemas.openxmlformats.org/officeDocument/2006/relationships" xmlns:p="http://schemas.openxmlformats.org/presentationml/2006/main">
   <p:cSld>
     <p:spTree>
@@ -3530,7 +3979,7 @@
         </p:nvSpPr>
         <p:spPr>
           <a:xfrm>
-            <a:off x="1143000" y="2057400"/>
+            <a:off x="1187450" y="1981200"/>
             <a:ext cx="6769100" cy="4464050"/>
           </a:xfrm>
         </p:spPr>
@@ -3671,7 +4120,7 @@
                 <a:latin typeface="Verdana" panose="020B0604030504040204" pitchFamily="34" charset="0"/>
                 <a:ea typeface="굴림" panose="020B0600000101010101" pitchFamily="34" charset="-127"/>
               </a:rPr>
-              <a:t>Wind Speed; as our measure of intensity</a:t>
+              <a:t>Wind Speed (m/s); as our measure of intensity</a:t>
             </a:r>
           </a:p>
           <a:p>
@@ -3685,7 +4134,7 @@
                 <a:latin typeface="Verdana" panose="020B0604030504040204" pitchFamily="34" charset="0"/>
                 <a:ea typeface="굴림" panose="020B0600000101010101" pitchFamily="34" charset="-127"/>
               </a:rPr>
-              <a:t>Water Salinity </a:t>
+              <a:t>Water Salinity (PSU)</a:t>
             </a:r>
           </a:p>
           <a:p>
@@ -3699,21 +4148,21 @@
                 <a:latin typeface="Verdana" panose="020B0604030504040204" pitchFamily="34" charset="0"/>
                 <a:ea typeface="굴림" panose="020B0600000101010101" pitchFamily="34" charset="-127"/>
               </a:rPr>
-              <a:t>Air Pressure</a:t>
-            </a:r>
-          </a:p>
-          <a:p>
-            <a:pPr lvl="1">
-              <a:lnSpc>
-                <a:spcPct val="80000"/>
-              </a:lnSpc>
-            </a:pPr>
+              <a:t>Air Pressure (</a:t>
+            </a:r>
+            <a:r>
+              <a:rPr lang="en-US" altLang="ko-KR" sz="1600" b="0" dirty="0" err="1">
+                <a:latin typeface="Verdana" panose="020B0604030504040204" pitchFamily="34" charset="0"/>
+                <a:ea typeface="굴림" panose="020B0600000101010101" pitchFamily="34" charset="-127"/>
+              </a:rPr>
+              <a:t>mBar</a:t>
+            </a:r>
             <a:r>
               <a:rPr lang="en-US" altLang="ko-KR" sz="1600" b="0" dirty="0">
                 <a:latin typeface="Verdana" panose="020B0604030504040204" pitchFamily="34" charset="0"/>
                 <a:ea typeface="굴림" panose="020B0600000101010101" pitchFamily="34" charset="-127"/>
               </a:rPr>
-              <a:t>Water Temperature</a:t>
+              <a:t>)</a:t>
             </a:r>
           </a:p>
           <a:p>
@@ -3727,7 +4176,21 @@
                 <a:latin typeface="Verdana" panose="020B0604030504040204" pitchFamily="34" charset="0"/>
                 <a:ea typeface="굴림" panose="020B0600000101010101" pitchFamily="34" charset="-127"/>
               </a:rPr>
-              <a:t>Air Temperature </a:t>
+              <a:t>Water Temperature (°C)</a:t>
+            </a:r>
+          </a:p>
+          <a:p>
+            <a:pPr lvl="1">
+              <a:lnSpc>
+                <a:spcPct val="80000"/>
+              </a:lnSpc>
+            </a:pPr>
+            <a:r>
+              <a:rPr lang="en-US" altLang="ko-KR" sz="1600" b="0" dirty="0">
+                <a:latin typeface="Verdana" panose="020B0604030504040204" pitchFamily="34" charset="0"/>
+                <a:ea typeface="굴림" panose="020B0600000101010101" pitchFamily="34" charset="-127"/>
+              </a:rPr>
+              <a:t>Air Temperature (°C)</a:t>
             </a:r>
           </a:p>
         </p:txBody>
@@ -4253,6 +4716,18 @@
             </a:endParaRPr>
           </a:p>
           <a:p>
+            <a:pPr marL="914400" lvl="2" indent="0">
+              <a:lnSpc>
+                <a:spcPct val="80000"/>
+              </a:lnSpc>
+              <a:buNone/>
+            </a:pPr>
+            <a:endParaRPr lang="en-US" altLang="ko-KR" sz="1000" dirty="0">
+              <a:latin typeface="+mj-lt"/>
+              <a:ea typeface="굴림" panose="020B0600000101010101" pitchFamily="34" charset="-127"/>
+            </a:endParaRPr>
+          </a:p>
+          <a:p>
             <a:pPr marL="0" indent="0">
               <a:lnSpc>
                 <a:spcPct val="80000"/>
@@ -4493,115 +4968,164 @@
             </a:endParaRPr>
           </a:p>
           <a:p>
-            <a:pPr>
-              <a:lnSpc>
-                <a:spcPct val="80000"/>
-              </a:lnSpc>
-              <a:buFont typeface="Arial" panose="020B0604020202020204" pitchFamily="34" charset="0"/>
-              <a:buChar char="•"/>
-            </a:pPr>
+            <a:pPr marL="0" indent="0">
+              <a:lnSpc>
+                <a:spcPct val="80000"/>
+              </a:lnSpc>
+              <a:buNone/>
+            </a:pPr>
+            <a:r>
+              <a:rPr lang="en-US" altLang="ko-KR" sz="1800" b="1" dirty="0">
+                <a:latin typeface="Verdana" panose="020B0604030504040204" pitchFamily="34" charset="0"/>
+                <a:ea typeface="굴림" panose="020B0600000101010101" pitchFamily="34" charset="-127"/>
+              </a:rPr>
+              <a:t>A </a:t>
+            </a:r>
             <a:r>
               <a:rPr lang="en-US" altLang="ko-KR" sz="1800" dirty="0">
                 <a:latin typeface="Verdana" panose="020B0604030504040204" pitchFamily="34" charset="0"/>
                 <a:ea typeface="굴림" panose="020B0600000101010101" pitchFamily="34" charset="-127"/>
               </a:rPr>
-              <a:t>A = 42043	</a:t>
-            </a:r>
-          </a:p>
-          <a:p>
-            <a:pPr>
-              <a:lnSpc>
-                <a:spcPct val="80000"/>
-              </a:lnSpc>
-              <a:buFont typeface="Arial" panose="020B0604020202020204" pitchFamily="34" charset="0"/>
-              <a:buChar char="•"/>
-            </a:pPr>
+              <a:t>= 42043</a:t>
+            </a:r>
+            <a:r>
+              <a:rPr lang="en-US" altLang="ko-KR" sz="1800" b="1" dirty="0">
+                <a:latin typeface="Verdana" panose="020B0604030504040204" pitchFamily="34" charset="0"/>
+                <a:ea typeface="굴림" panose="020B0600000101010101" pitchFamily="34" charset="-127"/>
+              </a:rPr>
+              <a:t>	</a:t>
+            </a:r>
+          </a:p>
+          <a:p>
+            <a:pPr marL="0" indent="0">
+              <a:lnSpc>
+                <a:spcPct val="80000"/>
+              </a:lnSpc>
+              <a:buNone/>
+            </a:pPr>
+            <a:r>
+              <a:rPr lang="en-US" altLang="ko-KR" sz="1800" b="1" dirty="0">
+                <a:latin typeface="Verdana" panose="020B0604030504040204" pitchFamily="34" charset="0"/>
+                <a:ea typeface="굴림" panose="020B0600000101010101" pitchFamily="34" charset="-127"/>
+              </a:rPr>
+              <a:t>B </a:t>
+            </a:r>
             <a:r>
               <a:rPr lang="en-US" altLang="ko-KR" sz="1800" dirty="0">
                 <a:latin typeface="Verdana" panose="020B0604030504040204" pitchFamily="34" charset="0"/>
                 <a:ea typeface="굴림" panose="020B0600000101010101" pitchFamily="34" charset="-127"/>
               </a:rPr>
-              <a:t>B = 42044</a:t>
-            </a:r>
-          </a:p>
-          <a:p>
-            <a:pPr>
-              <a:lnSpc>
-                <a:spcPct val="80000"/>
-              </a:lnSpc>
-              <a:buFont typeface="Arial" panose="020B0604020202020204" pitchFamily="34" charset="0"/>
-              <a:buChar char="•"/>
-            </a:pPr>
+              <a:t>= 42044</a:t>
+            </a:r>
+          </a:p>
+          <a:p>
+            <a:pPr marL="0" indent="0">
+              <a:lnSpc>
+                <a:spcPct val="80000"/>
+              </a:lnSpc>
+              <a:buNone/>
+            </a:pPr>
+            <a:r>
+              <a:rPr lang="en-US" altLang="ko-KR" sz="1800" b="1" dirty="0">
+                <a:latin typeface="Verdana" panose="020B0604030504040204" pitchFamily="34" charset="0"/>
+                <a:ea typeface="굴림" panose="020B0600000101010101" pitchFamily="34" charset="-127"/>
+              </a:rPr>
+              <a:t>C </a:t>
+            </a:r>
             <a:r>
               <a:rPr lang="en-US" altLang="ko-KR" sz="1800" dirty="0">
                 <a:latin typeface="Verdana" panose="020B0604030504040204" pitchFamily="34" charset="0"/>
                 <a:ea typeface="굴림" panose="020B0600000101010101" pitchFamily="34" charset="-127"/>
               </a:rPr>
-              <a:t>C = 42047</a:t>
-            </a:r>
-          </a:p>
-          <a:p>
-            <a:pPr>
-              <a:lnSpc>
-                <a:spcPct val="80000"/>
-              </a:lnSpc>
-              <a:buFont typeface="Arial" panose="020B0604020202020204" pitchFamily="34" charset="0"/>
-              <a:buChar char="•"/>
-            </a:pPr>
+              <a:t>= 42047</a:t>
+            </a:r>
+          </a:p>
+          <a:p>
+            <a:pPr marL="0" indent="0">
+              <a:lnSpc>
+                <a:spcPct val="80000"/>
+              </a:lnSpc>
+              <a:buNone/>
+            </a:pPr>
+            <a:r>
+              <a:rPr lang="en-US" altLang="ko-KR" sz="1800" b="1" dirty="0">
+                <a:latin typeface="Verdana" panose="020B0604030504040204" pitchFamily="34" charset="0"/>
+                <a:ea typeface="굴림" panose="020B0600000101010101" pitchFamily="34" charset="-127"/>
+              </a:rPr>
+              <a:t>D </a:t>
+            </a:r>
             <a:r>
               <a:rPr lang="en-US" altLang="ko-KR" sz="1800" dirty="0">
                 <a:latin typeface="Verdana" panose="020B0604030504040204" pitchFamily="34" charset="0"/>
                 <a:ea typeface="굴림" panose="020B0600000101010101" pitchFamily="34" charset="-127"/>
               </a:rPr>
-              <a:t>D = 8764314</a:t>
-            </a:r>
-          </a:p>
-          <a:p>
-            <a:pPr>
-              <a:lnSpc>
-                <a:spcPct val="80000"/>
-              </a:lnSpc>
-              <a:buFont typeface="Arial" panose="020B0604020202020204" pitchFamily="34" charset="0"/>
-              <a:buChar char="•"/>
-            </a:pPr>
+              <a:t>= 8764314</a:t>
+            </a:r>
+          </a:p>
+          <a:p>
+            <a:pPr marL="0" indent="0">
+              <a:lnSpc>
+                <a:spcPct val="80000"/>
+              </a:lnSpc>
+              <a:buNone/>
+            </a:pPr>
+            <a:r>
+              <a:rPr lang="en-US" altLang="ko-KR" sz="1800" b="1" dirty="0">
+                <a:latin typeface="Verdana" panose="020B0604030504040204" pitchFamily="34" charset="0"/>
+                <a:ea typeface="굴림" panose="020B0600000101010101" pitchFamily="34" charset="-127"/>
+              </a:rPr>
+              <a:t>E </a:t>
+            </a:r>
             <a:r>
               <a:rPr lang="en-US" altLang="ko-KR" sz="1800" dirty="0">
                 <a:latin typeface="Verdana" panose="020B0604030504040204" pitchFamily="34" charset="0"/>
                 <a:ea typeface="굴림" panose="020B0600000101010101" pitchFamily="34" charset="-127"/>
               </a:rPr>
-              <a:t>E = 8770613</a:t>
-            </a:r>
-          </a:p>
-          <a:p>
-            <a:pPr>
-              <a:lnSpc>
-                <a:spcPct val="80000"/>
-              </a:lnSpc>
-              <a:buFont typeface="Arial" panose="020B0604020202020204" pitchFamily="34" charset="0"/>
-              <a:buChar char="•"/>
-            </a:pPr>
+              <a:t>= 8770613</a:t>
+            </a:r>
+          </a:p>
+          <a:p>
+            <a:pPr marL="0" indent="0">
+              <a:lnSpc>
+                <a:spcPct val="80000"/>
+              </a:lnSpc>
+              <a:buNone/>
+            </a:pPr>
+            <a:r>
+              <a:rPr lang="en-US" altLang="ko-KR" sz="1800" b="1" dirty="0">
+                <a:latin typeface="Verdana" panose="020B0604030504040204" pitchFamily="34" charset="0"/>
+                <a:ea typeface="굴림" panose="020B0600000101010101" pitchFamily="34" charset="-127"/>
+              </a:rPr>
+              <a:t>F </a:t>
+            </a:r>
             <a:r>
               <a:rPr lang="en-US" altLang="ko-KR" sz="1800" dirty="0">
                 <a:latin typeface="Verdana" panose="020B0604030504040204" pitchFamily="34" charset="0"/>
                 <a:ea typeface="굴림" panose="020B0600000101010101" pitchFamily="34" charset="-127"/>
               </a:rPr>
-              <a:t>F = TABS-X</a:t>
-            </a:r>
-          </a:p>
-          <a:p>
-            <a:pPr>
-              <a:lnSpc>
-                <a:spcPct val="80000"/>
-              </a:lnSpc>
-              <a:buFont typeface="Arial" panose="020B0604020202020204" pitchFamily="34" charset="0"/>
-              <a:buChar char="•"/>
-            </a:pPr>
+              <a:t>= TABS-X</a:t>
+            </a:r>
+          </a:p>
+          <a:p>
+            <a:pPr marL="0" indent="0">
+              <a:lnSpc>
+                <a:spcPct val="80000"/>
+              </a:lnSpc>
+              <a:buNone/>
+            </a:pPr>
+            <a:r>
+              <a:rPr lang="en-US" altLang="ko-KR" sz="1800" b="1" dirty="0">
+                <a:latin typeface="Verdana" panose="020B0604030504040204" pitchFamily="34" charset="0"/>
+                <a:ea typeface="굴림" panose="020B0600000101010101" pitchFamily="34" charset="-127"/>
+              </a:rPr>
+              <a:t>G </a:t>
+            </a:r>
             <a:r>
               <a:rPr lang="en-US" altLang="ko-KR" sz="1800" dirty="0">
                 <a:latin typeface="Verdana" panose="020B0604030504040204" pitchFamily="34" charset="0"/>
                 <a:ea typeface="굴림" panose="020B0600000101010101" pitchFamily="34" charset="-127"/>
               </a:rPr>
-              <a:t>G = 42019</a:t>
+              <a:t>= 42019</a:t>
             </a:r>
           </a:p>
         </p:txBody>
@@ -4999,8 +5523,133 @@
                 <a:latin typeface="Verdana" panose="020B0604030504040204" pitchFamily="34" charset="0"/>
                 <a:ea typeface="굴림" panose="020B0600000101010101" pitchFamily="34" charset="-127"/>
               </a:rPr>
-              <a:t>Wind speed was </a:t>
-            </a:r>
+              <a:t>Wind speed was considered dependent variable.</a:t>
+            </a:r>
+          </a:p>
+          <a:p>
+            <a:pPr lvl="1">
+              <a:lnSpc>
+                <a:spcPct val="80000"/>
+              </a:lnSpc>
+            </a:pPr>
+            <a:r>
+              <a:rPr lang="en-US" altLang="ko-KR" sz="1200" dirty="0">
+                <a:latin typeface="Verdana" panose="020B0604030504040204" pitchFamily="34" charset="0"/>
+                <a:ea typeface="굴림" panose="020B0600000101010101" pitchFamily="34" charset="-127"/>
+              </a:rPr>
+              <a:t>Salinity, air temp, water temp, air pressure were independent attributes to be studied.  </a:t>
+            </a:r>
+          </a:p>
+          <a:p>
+            <a:pPr lvl="1">
+              <a:lnSpc>
+                <a:spcPct val="80000"/>
+              </a:lnSpc>
+            </a:pPr>
+            <a:endParaRPr lang="en-US" altLang="ko-KR" sz="1200" dirty="0">
+              <a:latin typeface="Verdana" panose="020B0604030504040204" pitchFamily="34" charset="0"/>
+              <a:ea typeface="굴림" panose="020B0600000101010101" pitchFamily="34" charset="-127"/>
+            </a:endParaRPr>
+          </a:p>
+          <a:p>
+            <a:pPr>
+              <a:lnSpc>
+                <a:spcPct val="80000"/>
+              </a:lnSpc>
+            </a:pPr>
+            <a:r>
+              <a:rPr lang="en-US" altLang="ko-KR" sz="1600" dirty="0">
+                <a:latin typeface="Verdana" panose="020B0604030504040204" pitchFamily="34" charset="0"/>
+                <a:ea typeface="굴림" panose="020B0600000101010101" pitchFamily="34" charset="-127"/>
+              </a:rPr>
+              <a:t>Rebel Reza’s badass cleaner worked here…. </a:t>
+            </a:r>
+          </a:p>
+          <a:p>
+            <a:pPr>
+              <a:lnSpc>
+                <a:spcPct val="80000"/>
+              </a:lnSpc>
+            </a:pPr>
+            <a:endParaRPr lang="en-US" altLang="ko-KR" sz="1600" dirty="0">
+              <a:latin typeface="Verdana" panose="020B0604030504040204" pitchFamily="34" charset="0"/>
+              <a:ea typeface="굴림" panose="020B0600000101010101" pitchFamily="34" charset="-127"/>
+            </a:endParaRPr>
+          </a:p>
+          <a:p>
+            <a:pPr>
+              <a:lnSpc>
+                <a:spcPct val="80000"/>
+              </a:lnSpc>
+            </a:pPr>
+            <a:r>
+              <a:rPr lang="en-US" altLang="ko-KR" sz="1600" dirty="0">
+                <a:latin typeface="Verdana" panose="020B0604030504040204" pitchFamily="34" charset="0"/>
+                <a:ea typeface="굴림" panose="020B0600000101010101" pitchFamily="34" charset="-127"/>
+              </a:rPr>
+              <a:t>Stuff and things </a:t>
+            </a:r>
+          </a:p>
+          <a:p>
+            <a:pPr>
+              <a:lnSpc>
+                <a:spcPct val="80000"/>
+              </a:lnSpc>
+            </a:pPr>
+            <a:endParaRPr lang="en-US" altLang="ko-KR" sz="1600" dirty="0">
+              <a:latin typeface="Verdana" panose="020B0604030504040204" pitchFamily="34" charset="0"/>
+              <a:ea typeface="굴림" panose="020B0600000101010101" pitchFamily="34" charset="-127"/>
+            </a:endParaRPr>
+          </a:p>
+          <a:p>
+            <a:pPr>
+              <a:lnSpc>
+                <a:spcPct val="80000"/>
+              </a:lnSpc>
+            </a:pPr>
+            <a:r>
+              <a:rPr lang="en-US" altLang="ko-KR" sz="1600" dirty="0">
+                <a:latin typeface="Verdana" panose="020B0604030504040204" pitchFamily="34" charset="0"/>
+                <a:ea typeface="굴림" panose="020B0600000101010101" pitchFamily="34" charset="-127"/>
+              </a:rPr>
+              <a:t>Adding</a:t>
+            </a:r>
+          </a:p>
+          <a:p>
+            <a:pPr>
+              <a:lnSpc>
+                <a:spcPct val="80000"/>
+              </a:lnSpc>
+            </a:pPr>
+            <a:r>
+              <a:rPr lang="en-US" altLang="ko-KR" sz="1600" dirty="0">
+                <a:latin typeface="Verdana" panose="020B0604030504040204" pitchFamily="34" charset="0"/>
+                <a:ea typeface="굴림" panose="020B0600000101010101" pitchFamily="34" charset="-127"/>
+              </a:rPr>
+              <a:t>s</a:t>
+            </a:r>
+          </a:p>
+          <a:p>
+            <a:pPr>
+              <a:lnSpc>
+                <a:spcPct val="80000"/>
+              </a:lnSpc>
+            </a:pPr>
+            <a:endParaRPr lang="en-US" altLang="ko-KR" sz="1600" dirty="0">
+              <a:latin typeface="Verdana" panose="020B0604030504040204" pitchFamily="34" charset="0"/>
+              <a:ea typeface="굴림" panose="020B0600000101010101" pitchFamily="34" charset="-127"/>
+            </a:endParaRPr>
+          </a:p>
+          <a:p>
+            <a:pPr>
+              <a:lnSpc>
+                <a:spcPct val="80000"/>
+              </a:lnSpc>
+            </a:pPr>
+            <a:endParaRPr lang="en-US" altLang="ko-KR" sz="1600" dirty="0">
+              <a:latin typeface="Verdana" panose="020B0604030504040204" pitchFamily="34" charset="0"/>
+              <a:ea typeface="굴림" panose="020B0600000101010101" pitchFamily="34" charset="-127"/>
+            </a:endParaRPr>
           </a:p>
         </p:txBody>
       </p:sp>
@@ -5036,26 +5685,21 @@
       </p:grpSpPr>
       <p:sp>
         <p:nvSpPr>
-          <p:cNvPr id="36866" name="Rectangle 2">
-            <a:extLst>
-              <a:ext uri="{FF2B5EF4-FFF2-40B4-BE49-F238E27FC236}">
-                <a16:creationId xmlns:a16="http://schemas.microsoft.com/office/drawing/2014/main" id="{9A8C6E0B-F389-42F4-BDF4-0BB8546E6D31}"/>
+          <p:cNvPr id="2" name="Title 1">
+            <a:extLst>
+              <a:ext uri="{FF2B5EF4-FFF2-40B4-BE49-F238E27FC236}">
+                <a16:creationId xmlns:a16="http://schemas.microsoft.com/office/drawing/2014/main" id="{763D9983-785B-DF45-9552-604655E0ADFA}"/>
               </a:ext>
             </a:extLst>
           </p:cNvPr>
           <p:cNvSpPr>
-            <a:spLocks noGrp="1" noChangeArrowheads="1"/>
+            <a:spLocks noGrp="1"/>
           </p:cNvSpPr>
           <p:nvPr>
             <p:ph type="title"/>
           </p:nvPr>
         </p:nvSpPr>
-        <p:spPr>
-          <a:xfrm>
-            <a:off x="2698750" y="260350"/>
-            <a:ext cx="5834063" cy="649288"/>
-          </a:xfrm>
-        </p:spPr>
+        <p:spPr/>
         <p:txBody>
           <a:bodyPr/>
           <a:lstStyle/>
@@ -5064,20 +5708,53 @@
               <a:rPr lang="en-US" altLang="en-US" b="1" dirty="0">
                 <a:latin typeface="Tahoma" panose="020B0604030504040204" pitchFamily="34" charset="0"/>
               </a:rPr>
-              <a:t>Water Temperature</a:t>
-            </a:r>
-            <a:endParaRPr lang="uk-UA" altLang="en-US" b="1" dirty="0">
-              <a:latin typeface="Tahoma" panose="020B0604030504040204" pitchFamily="34" charset="0"/>
-            </a:endParaRPr>
+              <a:t>Data Cleanup, Cont.</a:t>
+            </a:r>
+            <a:endParaRPr lang="en-US" dirty="0"/>
           </a:p>
         </p:txBody>
       </p:sp>
       <p:pic>
         <p:nvPicPr>
-          <p:cNvPr id="2" name="Picture 1">
-            <a:extLst>
-              <a:ext uri="{FF2B5EF4-FFF2-40B4-BE49-F238E27FC236}">
-                <a16:creationId xmlns:a16="http://schemas.microsoft.com/office/drawing/2014/main" id="{30E78F15-8A05-4EF6-9A1D-C84166D5D0C6}"/>
+          <p:cNvPr id="5" name="Content Placeholder 4" descr="A close up of text on a white background&#10;&#10;Description automatically generated">
+            <a:extLst>
+              <a:ext uri="{FF2B5EF4-FFF2-40B4-BE49-F238E27FC236}">
+                <a16:creationId xmlns:a16="http://schemas.microsoft.com/office/drawing/2014/main" id="{BD8D1913-5F8C-C144-89D1-CA0F8818263F}"/>
+              </a:ext>
+            </a:extLst>
+          </p:cNvPr>
+          <p:cNvPicPr>
+            <a:picLocks noGrp="1" noChangeAspect="1"/>
+          </p:cNvPicPr>
+          <p:nvPr>
+            <p:ph idx="1"/>
+          </p:nvPr>
+        </p:nvPicPr>
+        <p:blipFill>
+          <a:blip r:embed="rId2">
+            <a:extLst>
+              <a:ext uri="{28A0092B-C50C-407E-A947-70E740481C1C}">
+                <a14:useLocalDpi xmlns:a14="http://schemas.microsoft.com/office/drawing/2010/main" val="0"/>
+              </a:ext>
+            </a:extLst>
+          </a:blip>
+          <a:stretch>
+            <a:fillRect/>
+          </a:stretch>
+        </p:blipFill>
+        <p:spPr>
+          <a:xfrm>
+            <a:off x="1905000" y="1796143"/>
+            <a:ext cx="2494292" cy="4892365"/>
+          </a:xfrm>
+        </p:spPr>
+      </p:pic>
+      <p:pic>
+        <p:nvPicPr>
+          <p:cNvPr id="7" name="Picture 6" descr="A close up of text on a white background&#10;&#10;Description automatically generated">
+            <a:extLst>
+              <a:ext uri="{FF2B5EF4-FFF2-40B4-BE49-F238E27FC236}">
+                <a16:creationId xmlns:a16="http://schemas.microsoft.com/office/drawing/2014/main" id="{6CF5768A-1C6B-EC45-ACE5-06CB7C7A8941}"/>
               </a:ext>
             </a:extLst>
           </p:cNvPr>
@@ -5087,55 +5764,201 @@
           <p:nvPr/>
         </p:nvPicPr>
         <p:blipFill>
-          <a:blip r:embed="rId2"/>
+          <a:blip r:embed="rId3">
+            <a:extLst>
+              <a:ext uri="{28A0092B-C50C-407E-A947-70E740481C1C}">
+                <a14:useLocalDpi xmlns:a14="http://schemas.microsoft.com/office/drawing/2010/main" val="0"/>
+              </a:ext>
+            </a:extLst>
+          </a:blip>
           <a:stretch>
             <a:fillRect/>
           </a:stretch>
         </p:blipFill>
         <p:spPr>
           <a:xfrm>
-            <a:off x="0" y="1790702"/>
-            <a:ext cx="4800600" cy="2400300"/>
+            <a:off x="6553200" y="1828800"/>
+            <a:ext cx="2362200" cy="4767742"/>
           </a:xfrm>
           <a:prstGeom prst="rect">
             <a:avLst/>
           </a:prstGeom>
         </p:spPr>
       </p:pic>
-      <p:pic>
-        <p:nvPicPr>
-          <p:cNvPr id="3" name="Picture 2">
-            <a:extLst>
-              <a:ext uri="{FF2B5EF4-FFF2-40B4-BE49-F238E27FC236}">
-                <a16:creationId xmlns:a16="http://schemas.microsoft.com/office/drawing/2014/main" id="{45ED0CD2-3E18-43CA-B941-7E2C2C1E439E}"/>
-              </a:ext>
-            </a:extLst>
-          </p:cNvPr>
-          <p:cNvPicPr>
-            <a:picLocks noChangeAspect="1"/>
-          </p:cNvPicPr>
+      <p:sp>
+        <p:nvSpPr>
+          <p:cNvPr id="8" name="TextBox 7">
+            <a:extLst>
+              <a:ext uri="{FF2B5EF4-FFF2-40B4-BE49-F238E27FC236}">
+                <a16:creationId xmlns:a16="http://schemas.microsoft.com/office/drawing/2014/main" id="{F00C8BAF-27F2-F54A-9574-1D30A8F4550B}"/>
+              </a:ext>
+            </a:extLst>
+          </p:cNvPr>
+          <p:cNvSpPr txBox="1"/>
           <p:nvPr/>
-        </p:nvPicPr>
-        <p:blipFill>
-          <a:blip r:embed="rId3"/>
-          <a:stretch>
-            <a:fillRect/>
-          </a:stretch>
-        </p:blipFill>
-        <p:spPr>
-          <a:xfrm>
-            <a:off x="0" y="4110257"/>
-            <a:ext cx="4800600" cy="2400300"/>
+        </p:nvSpPr>
+        <p:spPr>
+          <a:xfrm>
+            <a:off x="4876800" y="2209800"/>
+            <a:ext cx="1143000" cy="923330"/>
           </a:xfrm>
           <a:prstGeom prst="rect">
             <a:avLst/>
           </a:prstGeom>
-        </p:spPr>
-      </p:pic>
+          <a:noFill/>
+        </p:spPr>
+        <p:txBody>
+          <a:bodyPr wrap="square" rtlCol="0">
+            <a:spAutoFit/>
+          </a:bodyPr>
+          <a:lstStyle/>
+          <a:p>
+            <a:r>
+              <a:rPr lang="en-US" dirty="0">
+                <a:highlight>
+                  <a:srgbClr val="FFFF00"/>
+                </a:highlight>
+              </a:rPr>
+              <a:t>Small narrative here</a:t>
+            </a:r>
+          </a:p>
+        </p:txBody>
+      </p:sp>
+      <p:sp>
+        <p:nvSpPr>
+          <p:cNvPr id="10" name="TextBox 9">
+            <a:extLst>
+              <a:ext uri="{FF2B5EF4-FFF2-40B4-BE49-F238E27FC236}">
+                <a16:creationId xmlns:a16="http://schemas.microsoft.com/office/drawing/2014/main" id="{D554D220-53C7-C845-B0FC-0DC1BF1CAC4C}"/>
+              </a:ext>
+            </a:extLst>
+          </p:cNvPr>
+          <p:cNvSpPr txBox="1"/>
+          <p:nvPr/>
+        </p:nvSpPr>
+        <p:spPr>
+          <a:xfrm>
+            <a:off x="381000" y="2195945"/>
+            <a:ext cx="1143000" cy="923330"/>
+          </a:xfrm>
+          <a:prstGeom prst="rect">
+            <a:avLst/>
+          </a:prstGeom>
+          <a:noFill/>
+        </p:spPr>
+        <p:txBody>
+          <a:bodyPr wrap="square" rtlCol="0">
+            <a:spAutoFit/>
+          </a:bodyPr>
+          <a:lstStyle/>
+          <a:p>
+            <a:r>
+              <a:rPr lang="en-US" dirty="0">
+                <a:highlight>
+                  <a:srgbClr val="FFFF00"/>
+                </a:highlight>
+              </a:rPr>
+              <a:t>Small narrative here</a:t>
+            </a:r>
+          </a:p>
+        </p:txBody>
+      </p:sp>
+      <p:sp>
+        <p:nvSpPr>
+          <p:cNvPr id="12" name="Right Arrow 11">
+            <a:extLst>
+              <a:ext uri="{FF2B5EF4-FFF2-40B4-BE49-F238E27FC236}">
+                <a16:creationId xmlns:a16="http://schemas.microsoft.com/office/drawing/2014/main" id="{65B7C691-D6EE-9143-AA5D-C4AADE1F75F0}"/>
+              </a:ext>
+            </a:extLst>
+          </p:cNvPr>
+          <p:cNvSpPr/>
+          <p:nvPr/>
+        </p:nvSpPr>
+        <p:spPr>
+          <a:xfrm>
+            <a:off x="1452985" y="3429000"/>
+            <a:ext cx="503238" cy="196334"/>
+          </a:xfrm>
+          <a:prstGeom prst="rightArrow">
+            <a:avLst/>
+          </a:prstGeom>
+        </p:spPr>
+        <p:style>
+          <a:lnRef idx="2">
+            <a:schemeClr val="accent1">
+              <a:shade val="50000"/>
+            </a:schemeClr>
+          </a:lnRef>
+          <a:fillRef idx="1">
+            <a:schemeClr val="accent1"/>
+          </a:fillRef>
+          <a:effectRef idx="0">
+            <a:schemeClr val="accent1"/>
+          </a:effectRef>
+          <a:fontRef idx="minor">
+            <a:schemeClr val="lt1"/>
+          </a:fontRef>
+        </p:style>
+        <p:txBody>
+          <a:bodyPr rtlCol="0" anchor="ctr"/>
+          <a:lstStyle/>
+          <a:p>
+            <a:pPr algn="ctr"/>
+            <a:endParaRPr lang="en-US"/>
+          </a:p>
+        </p:txBody>
+      </p:sp>
+      <p:sp>
+        <p:nvSpPr>
+          <p:cNvPr id="13" name="Right Arrow 12">
+            <a:extLst>
+              <a:ext uri="{FF2B5EF4-FFF2-40B4-BE49-F238E27FC236}">
+                <a16:creationId xmlns:a16="http://schemas.microsoft.com/office/drawing/2014/main" id="{DEF31EAB-AB87-3443-BB6B-92832A604BFB}"/>
+              </a:ext>
+            </a:extLst>
+          </p:cNvPr>
+          <p:cNvSpPr/>
+          <p:nvPr/>
+        </p:nvSpPr>
+        <p:spPr>
+          <a:xfrm>
+            <a:off x="6049962" y="3414547"/>
+            <a:ext cx="503238" cy="196334"/>
+          </a:xfrm>
+          <a:prstGeom prst="rightArrow">
+            <a:avLst/>
+          </a:prstGeom>
+        </p:spPr>
+        <p:style>
+          <a:lnRef idx="2">
+            <a:schemeClr val="accent1">
+              <a:shade val="50000"/>
+            </a:schemeClr>
+          </a:lnRef>
+          <a:fillRef idx="1">
+            <a:schemeClr val="accent1"/>
+          </a:fillRef>
+          <a:effectRef idx="0">
+            <a:schemeClr val="accent1"/>
+          </a:effectRef>
+          <a:fontRef idx="minor">
+            <a:schemeClr val="lt1"/>
+          </a:fontRef>
+        </p:style>
+        <p:txBody>
+          <a:bodyPr rtlCol="0" anchor="ctr"/>
+          <a:lstStyle/>
+          <a:p>
+            <a:pPr algn="ctr"/>
+            <a:endParaRPr lang="en-US"/>
+          </a:p>
+        </p:txBody>
+      </p:sp>
     </p:spTree>
     <p:extLst>
       <p:ext uri="{BB962C8B-B14F-4D97-AF65-F5344CB8AC3E}">
-        <p14:creationId xmlns:p14="http://schemas.microsoft.com/office/powerpoint/2010/main" val="2744057486"/>
+        <p14:creationId xmlns:p14="http://schemas.microsoft.com/office/powerpoint/2010/main" val="2800777388"/>
       </p:ext>
     </p:extLst>
   </p:cSld>
@@ -5192,7 +6015,7 @@
               <a:rPr lang="en-US" altLang="en-US" b="1" dirty="0">
                 <a:latin typeface="Tahoma" panose="020B0604030504040204" pitchFamily="34" charset="0"/>
               </a:rPr>
-              <a:t>Water Salinity</a:t>
+              <a:t>Water Temperature</a:t>
             </a:r>
             <a:endParaRPr lang="uk-UA" altLang="en-US" b="1" dirty="0">
               <a:latin typeface="Tahoma" panose="020B0604030504040204" pitchFamily="34" charset="0"/>
@@ -5205,7 +6028,7 @@
           <p:cNvPr id="2" name="Picture 1">
             <a:extLst>
               <a:ext uri="{FF2B5EF4-FFF2-40B4-BE49-F238E27FC236}">
-                <a16:creationId xmlns:a16="http://schemas.microsoft.com/office/drawing/2014/main" id="{950A7B6E-ACF6-4453-B4F2-EDB114A50A77}"/>
+                <a16:creationId xmlns:a16="http://schemas.microsoft.com/office/drawing/2014/main" id="{30E78F15-8A05-4EF6-9A1D-C84166D5D0C6}"/>
               </a:ext>
             </a:extLst>
           </p:cNvPr>
@@ -5222,8 +6045,8 @@
         </p:blipFill>
         <p:spPr>
           <a:xfrm>
-            <a:off x="152400" y="2377440"/>
-            <a:ext cx="4206240" cy="2103120"/>
+            <a:off x="0" y="1676400"/>
+            <a:ext cx="4800600" cy="2514602"/>
           </a:xfrm>
           <a:prstGeom prst="rect">
             <a:avLst/>
@@ -5235,7 +6058,7 @@
           <p:cNvPr id="3" name="Picture 2">
             <a:extLst>
               <a:ext uri="{FF2B5EF4-FFF2-40B4-BE49-F238E27FC236}">
-                <a16:creationId xmlns:a16="http://schemas.microsoft.com/office/drawing/2014/main" id="{AB9B4A66-D60C-43C2-B362-738706BB5DEC}"/>
+                <a16:creationId xmlns:a16="http://schemas.microsoft.com/office/drawing/2014/main" id="{45ED0CD2-3E18-43CA-B941-7E2C2C1E439E}"/>
               </a:ext>
             </a:extLst>
           </p:cNvPr>
@@ -5252,8 +6075,79 @@
         </p:blipFill>
         <p:spPr>
           <a:xfrm>
-            <a:off x="152400" y="4579735"/>
-            <a:ext cx="4206240" cy="2103120"/>
+            <a:off x="0" y="4110257"/>
+            <a:ext cx="4800600" cy="2400300"/>
+          </a:xfrm>
+          <a:prstGeom prst="rect">
+            <a:avLst/>
+          </a:prstGeom>
+        </p:spPr>
+      </p:pic>
+      <p:sp>
+        <p:nvSpPr>
+          <p:cNvPr id="4" name="TextBox 3">
+            <a:extLst>
+              <a:ext uri="{FF2B5EF4-FFF2-40B4-BE49-F238E27FC236}">
+                <a16:creationId xmlns:a16="http://schemas.microsoft.com/office/drawing/2014/main" id="{690F72CE-09E2-5D4D-B4AB-8452B12ACF36}"/>
+              </a:ext>
+            </a:extLst>
+          </p:cNvPr>
+          <p:cNvSpPr txBox="1"/>
+          <p:nvPr/>
+        </p:nvSpPr>
+        <p:spPr>
+          <a:xfrm>
+            <a:off x="1600200" y="1491734"/>
+            <a:ext cx="1752600" cy="369332"/>
+          </a:xfrm>
+          <a:prstGeom prst="rect">
+            <a:avLst/>
+          </a:prstGeom>
+          <a:noFill/>
+        </p:spPr>
+        <p:txBody>
+          <a:bodyPr wrap="square" rtlCol="0">
+            <a:spAutoFit/>
+          </a:bodyPr>
+          <a:lstStyle/>
+          <a:p>
+            <a:r>
+              <a:rPr lang="en-US" b="1" dirty="0"/>
+              <a:t>Data Outliers</a:t>
+            </a:r>
+          </a:p>
+        </p:txBody>
+      </p:sp>
+      <p:pic>
+        <p:nvPicPr>
+          <p:cNvPr id="7" name="Picture 6" descr="A screenshot of a cell phone screen with text&#10;&#10;Description automatically generated">
+            <a:extLst>
+              <a:ext uri="{FF2B5EF4-FFF2-40B4-BE49-F238E27FC236}">
+                <a16:creationId xmlns:a16="http://schemas.microsoft.com/office/drawing/2014/main" id="{49814C83-C3C5-204A-B158-473BF5F93678}"/>
+              </a:ext>
+            </a:extLst>
+          </p:cNvPr>
+          <p:cNvPicPr>
+            <a:picLocks noChangeAspect="1"/>
+          </p:cNvPicPr>
+          <p:nvPr/>
+        </p:nvPicPr>
+        <p:blipFill>
+          <a:blip r:embed="rId4">
+            <a:extLst>
+              <a:ext uri="{28A0092B-C50C-407E-A947-70E740481C1C}">
+                <a14:useLocalDpi xmlns:a14="http://schemas.microsoft.com/office/drawing/2010/main" val="0"/>
+              </a:ext>
+            </a:extLst>
+          </a:blip>
+          <a:stretch>
+            <a:fillRect/>
+          </a:stretch>
+        </p:blipFill>
+        <p:spPr>
+          <a:xfrm>
+            <a:off x="4953000" y="3804356"/>
+            <a:ext cx="3118445" cy="2827161"/>
           </a:xfrm>
           <a:prstGeom prst="rect">
             <a:avLst/>
@@ -5263,7 +6157,7 @@
     </p:spTree>
     <p:extLst>
       <p:ext uri="{BB962C8B-B14F-4D97-AF65-F5344CB8AC3E}">
-        <p14:creationId xmlns:p14="http://schemas.microsoft.com/office/powerpoint/2010/main" val="3076025934"/>
+        <p14:creationId xmlns:p14="http://schemas.microsoft.com/office/powerpoint/2010/main" val="2744057486"/>
       </p:ext>
     </p:extLst>
   </p:cSld>
@@ -5320,7 +6214,7 @@
               <a:rPr lang="en-US" altLang="en-US" b="1" dirty="0">
                 <a:latin typeface="Tahoma" panose="020B0604030504040204" pitchFamily="34" charset="0"/>
               </a:rPr>
-              <a:t>Air Temperature</a:t>
+              <a:t>Water Salinity</a:t>
             </a:r>
             <a:endParaRPr lang="uk-UA" altLang="en-US" b="1" dirty="0">
               <a:latin typeface="Tahoma" panose="020B0604030504040204" pitchFamily="34" charset="0"/>
@@ -5333,7 +6227,7 @@
           <p:cNvPr id="2" name="Picture 1">
             <a:extLst>
               <a:ext uri="{FF2B5EF4-FFF2-40B4-BE49-F238E27FC236}">
-                <a16:creationId xmlns:a16="http://schemas.microsoft.com/office/drawing/2014/main" id="{3ED1D160-DFF6-4574-86AC-93A11EF3ED9E}"/>
+                <a16:creationId xmlns:a16="http://schemas.microsoft.com/office/drawing/2014/main" id="{950A7B6E-ACF6-4453-B4F2-EDB114A50A77}"/>
               </a:ext>
             </a:extLst>
           </p:cNvPr>
@@ -5350,8 +6244,8 @@
         </p:blipFill>
         <p:spPr>
           <a:xfrm>
-            <a:off x="0" y="1874058"/>
-            <a:ext cx="4206240" cy="2103120"/>
+            <a:off x="152398" y="1861066"/>
+            <a:ext cx="4983708" cy="2491854"/>
           </a:xfrm>
           <a:prstGeom prst="rect">
             <a:avLst/>
@@ -5363,7 +6257,7 @@
           <p:cNvPr id="3" name="Picture 2">
             <a:extLst>
               <a:ext uri="{FF2B5EF4-FFF2-40B4-BE49-F238E27FC236}">
-                <a16:creationId xmlns:a16="http://schemas.microsoft.com/office/drawing/2014/main" id="{EB4B64CE-B8F1-419F-BB7F-46E858B52A87}"/>
+                <a16:creationId xmlns:a16="http://schemas.microsoft.com/office/drawing/2014/main" id="{AB9B4A66-D60C-43C2-B362-738706BB5DEC}"/>
               </a:ext>
             </a:extLst>
           </p:cNvPr>
@@ -5380,18 +6274,53 @@
         </p:blipFill>
         <p:spPr>
           <a:xfrm>
-            <a:off x="0" y="4077998"/>
-            <a:ext cx="4206240" cy="2103120"/>
+            <a:off x="152400" y="4191000"/>
+            <a:ext cx="4983710" cy="2491855"/>
           </a:xfrm>
           <a:prstGeom prst="rect">
             <a:avLst/>
           </a:prstGeom>
         </p:spPr>
       </p:pic>
+      <p:sp>
+        <p:nvSpPr>
+          <p:cNvPr id="5" name="TextBox 4">
+            <a:extLst>
+              <a:ext uri="{FF2B5EF4-FFF2-40B4-BE49-F238E27FC236}">
+                <a16:creationId xmlns:a16="http://schemas.microsoft.com/office/drawing/2014/main" id="{D7657B8F-DCE0-DD47-B670-8997A764CB9D}"/>
+              </a:ext>
+            </a:extLst>
+          </p:cNvPr>
+          <p:cNvSpPr txBox="1"/>
+          <p:nvPr/>
+        </p:nvSpPr>
+        <p:spPr>
+          <a:xfrm>
+            <a:off x="1600200" y="1491734"/>
+            <a:ext cx="1752600" cy="369332"/>
+          </a:xfrm>
+          <a:prstGeom prst="rect">
+            <a:avLst/>
+          </a:prstGeom>
+          <a:noFill/>
+        </p:spPr>
+        <p:txBody>
+          <a:bodyPr wrap="square" rtlCol="0">
+            <a:spAutoFit/>
+          </a:bodyPr>
+          <a:lstStyle/>
+          <a:p>
+            <a:r>
+              <a:rPr lang="en-US" b="1" dirty="0"/>
+              <a:t>Data Outliers</a:t>
+            </a:r>
+          </a:p>
+        </p:txBody>
+      </p:sp>
     </p:spTree>
     <p:extLst>
       <p:ext uri="{BB962C8B-B14F-4D97-AF65-F5344CB8AC3E}">
-        <p14:creationId xmlns:p14="http://schemas.microsoft.com/office/powerpoint/2010/main" val="2652253050"/>
+        <p14:creationId xmlns:p14="http://schemas.microsoft.com/office/powerpoint/2010/main" val="3076025934"/>
       </p:ext>
     </p:extLst>
   </p:cSld>

--- a/Final Presentation__RobAdditions.pptx
+++ b/Final Presentation__RobAdditions.pptx
@@ -2875,7 +2875,7 @@
         </p:blipFill>
         <p:spPr>
           <a:xfrm>
-            <a:off x="4642214" y="1741062"/>
+            <a:off x="4642214" y="1718105"/>
             <a:ext cx="4035778" cy="2724150"/>
           </a:xfrm>
           <a:prstGeom prst="rect">
@@ -2918,47 +2918,12 @@
           </a:p>
         </p:txBody>
       </p:sp>
-      <p:sp>
-        <p:nvSpPr>
-          <p:cNvPr id="8" name="TextBox 7">
-            <a:extLst>
-              <a:ext uri="{FF2B5EF4-FFF2-40B4-BE49-F238E27FC236}">
-                <a16:creationId xmlns:a16="http://schemas.microsoft.com/office/drawing/2014/main" id="{82574CE3-92C5-A640-A931-9D286C7CFE86}"/>
-              </a:ext>
-            </a:extLst>
-          </p:cNvPr>
-          <p:cNvSpPr txBox="1"/>
-          <p:nvPr/>
-        </p:nvSpPr>
-        <p:spPr>
-          <a:xfrm>
-            <a:off x="5410200" y="1419349"/>
-            <a:ext cx="2976524" cy="369332"/>
-          </a:xfrm>
-          <a:prstGeom prst="rect">
-            <a:avLst/>
-          </a:prstGeom>
-          <a:noFill/>
-        </p:spPr>
-        <p:txBody>
-          <a:bodyPr wrap="square" rtlCol="0">
-            <a:spAutoFit/>
-          </a:bodyPr>
-          <a:lstStyle/>
-          <a:p>
-            <a:r>
-              <a:rPr lang="en-US" b="1" dirty="0"/>
-              <a:t>Full Data Representation </a:t>
-            </a:r>
-          </a:p>
-        </p:txBody>
-      </p:sp>
       <p:pic>
         <p:nvPicPr>
-          <p:cNvPr id="9" name="Picture 8" descr="A screenshot of a cell phone&#10;&#10;Description automatically generated">
-            <a:extLst>
-              <a:ext uri="{FF2B5EF4-FFF2-40B4-BE49-F238E27FC236}">
-                <a16:creationId xmlns:a16="http://schemas.microsoft.com/office/drawing/2014/main" id="{2A115C93-0B83-844A-B6EC-44C450E43615}"/>
+          <p:cNvPr id="19" name="Picture 18" descr="A screenshot of a cell phone&#10;&#10;Description automatically generated">
+            <a:extLst>
+              <a:ext uri="{FF2B5EF4-FFF2-40B4-BE49-F238E27FC236}">
+                <a16:creationId xmlns:a16="http://schemas.microsoft.com/office/drawing/2014/main" id="{ACFAB75C-FF61-FD41-B5B3-675DAA919D92}"/>
               </a:ext>
             </a:extLst>
           </p:cNvPr>
@@ -2981,152 +2946,8 @@
         </p:blipFill>
         <p:spPr>
           <a:xfrm>
-            <a:off x="6725003" y="4718772"/>
-            <a:ext cx="2257064" cy="743878"/>
-          </a:xfrm>
-          <a:prstGeom prst="rect">
-            <a:avLst/>
-          </a:prstGeom>
-        </p:spPr>
-      </p:pic>
-      <p:pic>
-        <p:nvPicPr>
-          <p:cNvPr id="11" name="Picture 10" descr="A screenshot of a cell phone&#10;&#10;Description automatically generated">
-            <a:extLst>
-              <a:ext uri="{FF2B5EF4-FFF2-40B4-BE49-F238E27FC236}">
-                <a16:creationId xmlns:a16="http://schemas.microsoft.com/office/drawing/2014/main" id="{6DBDD914-A6B5-3848-90EA-95CA6C3A417A}"/>
-              </a:ext>
-            </a:extLst>
-          </p:cNvPr>
-          <p:cNvPicPr>
-            <a:picLocks noChangeAspect="1"/>
-          </p:cNvPicPr>
-          <p:nvPr/>
-        </p:nvPicPr>
-        <p:blipFill>
-          <a:blip r:embed="rId6">
-            <a:extLst>
-              <a:ext uri="{28A0092B-C50C-407E-A947-70E740481C1C}">
-                <a14:useLocalDpi xmlns:a14="http://schemas.microsoft.com/office/drawing/2010/main" val="0"/>
-              </a:ext>
-            </a:extLst>
-          </a:blip>
-          <a:stretch>
-            <a:fillRect/>
-          </a:stretch>
-        </p:blipFill>
-        <p:spPr>
-          <a:xfrm>
-            <a:off x="6727825" y="5740153"/>
-            <a:ext cx="2286000" cy="768684"/>
-          </a:xfrm>
-          <a:prstGeom prst="rect">
-            <a:avLst/>
-          </a:prstGeom>
-        </p:spPr>
-      </p:pic>
-      <p:pic>
-        <p:nvPicPr>
-          <p:cNvPr id="13" name="Picture 12" descr="A screenshot of a cell phone&#10;&#10;Description automatically generated">
-            <a:extLst>
-              <a:ext uri="{FF2B5EF4-FFF2-40B4-BE49-F238E27FC236}">
-                <a16:creationId xmlns:a16="http://schemas.microsoft.com/office/drawing/2014/main" id="{FC6063BA-79C1-E347-A574-CE15370D30A2}"/>
-              </a:ext>
-            </a:extLst>
-          </p:cNvPr>
-          <p:cNvPicPr>
-            <a:picLocks noChangeAspect="1"/>
-          </p:cNvPicPr>
-          <p:nvPr/>
-        </p:nvPicPr>
-        <p:blipFill>
-          <a:blip r:embed="rId7">
-            <a:extLst>
-              <a:ext uri="{28A0092B-C50C-407E-A947-70E740481C1C}">
-                <a14:useLocalDpi xmlns:a14="http://schemas.microsoft.com/office/drawing/2010/main" val="0"/>
-              </a:ext>
-            </a:extLst>
-          </a:blip>
-          <a:stretch>
-            <a:fillRect/>
-          </a:stretch>
-        </p:blipFill>
-        <p:spPr>
-          <a:xfrm>
-            <a:off x="4331758" y="4718771"/>
-            <a:ext cx="2413000" cy="820149"/>
-          </a:xfrm>
-          <a:prstGeom prst="rect">
-            <a:avLst/>
-          </a:prstGeom>
-        </p:spPr>
-      </p:pic>
-      <p:pic>
-        <p:nvPicPr>
-          <p:cNvPr id="15" name="Picture 14" descr="A screenshot of a cell phone&#10;&#10;Description automatically generated">
-            <a:extLst>
-              <a:ext uri="{FF2B5EF4-FFF2-40B4-BE49-F238E27FC236}">
-                <a16:creationId xmlns:a16="http://schemas.microsoft.com/office/drawing/2014/main" id="{35FC947B-8FF2-6243-86CC-E43931B5EE94}"/>
-              </a:ext>
-            </a:extLst>
-          </p:cNvPr>
-          <p:cNvPicPr>
-            <a:picLocks noChangeAspect="1"/>
-          </p:cNvPicPr>
-          <p:nvPr/>
-        </p:nvPicPr>
-        <p:blipFill>
-          <a:blip r:embed="rId8">
-            <a:extLst>
-              <a:ext uri="{28A0092B-C50C-407E-A947-70E740481C1C}">
-                <a14:useLocalDpi xmlns:a14="http://schemas.microsoft.com/office/drawing/2010/main" val="0"/>
-              </a:ext>
-            </a:extLst>
-          </a:blip>
-          <a:stretch>
-            <a:fillRect/>
-          </a:stretch>
-        </p:blipFill>
-        <p:spPr>
-          <a:xfrm>
-            <a:off x="4391036" y="5705122"/>
-            <a:ext cx="2286000" cy="798071"/>
-          </a:xfrm>
-          <a:prstGeom prst="rect">
-            <a:avLst/>
-          </a:prstGeom>
-        </p:spPr>
-      </p:pic>
-      <p:pic>
-        <p:nvPicPr>
-          <p:cNvPr id="17" name="Picture 16" descr="A screenshot of a cell phone&#10;&#10;Description automatically generated">
-            <a:extLst>
-              <a:ext uri="{FF2B5EF4-FFF2-40B4-BE49-F238E27FC236}">
-                <a16:creationId xmlns:a16="http://schemas.microsoft.com/office/drawing/2014/main" id="{C2F5B366-9AE3-504C-96C1-518AA1682A1B}"/>
-              </a:ext>
-            </a:extLst>
-          </p:cNvPr>
-          <p:cNvPicPr>
-            <a:picLocks noChangeAspect="1"/>
-          </p:cNvPicPr>
-          <p:nvPr/>
-        </p:nvPicPr>
-        <p:blipFill>
-          <a:blip r:embed="rId9">
-            <a:extLst>
-              <a:ext uri="{28A0092B-C50C-407E-A947-70E740481C1C}">
-                <a14:useLocalDpi xmlns:a14="http://schemas.microsoft.com/office/drawing/2010/main" val="0"/>
-              </a:ext>
-            </a:extLst>
-          </a:blip>
-          <a:stretch>
-            <a:fillRect/>
-          </a:stretch>
-        </p:blipFill>
-        <p:spPr>
-          <a:xfrm>
-            <a:off x="3680139" y="3427130"/>
-            <a:ext cx="2713455" cy="876300"/>
+            <a:off x="5105400" y="4506017"/>
+            <a:ext cx="3352800" cy="2011680"/>
           </a:xfrm>
           <a:prstGeom prst="rect">
             <a:avLst/>
@@ -5799,7 +5620,7 @@
         </p:nvSpPr>
         <p:spPr>
           <a:xfrm>
-            <a:off x="4876800" y="2209800"/>
+            <a:off x="4814618" y="1955942"/>
             <a:ext cx="1143000" cy="923330"/>
           </a:xfrm>
           <a:prstGeom prst="rect">
@@ -5819,7 +5640,7 @@
                   <a:srgbClr val="FFFF00"/>
                 </a:highlight>
               </a:rPr>
-              <a:t>Small narrative here</a:t>
+              <a:t>Once the data was cleaned</a:t>
             </a:r>
           </a:p>
         </p:txBody>
@@ -5838,8 +5659,8 @@
         </p:nvSpPr>
         <p:spPr>
           <a:xfrm>
-            <a:off x="381000" y="2195945"/>
-            <a:ext cx="1143000" cy="923330"/>
+            <a:off x="173337" y="1865173"/>
+            <a:ext cx="1524000" cy="3323987"/>
           </a:xfrm>
           <a:prstGeom prst="rect">
             <a:avLst/>
@@ -5853,12 +5674,8 @@
           <a:lstStyle/>
           <a:p>
             <a:r>
-              <a:rPr lang="en-US" dirty="0">
-                <a:highlight>
-                  <a:srgbClr val="FFFF00"/>
-                </a:highlight>
-              </a:rPr>
-              <a:t>Small narrative here</a:t>
+              <a:rPr lang="en-US" sz="1400" dirty="0"/>
+              <a:t>All .csv files were combined into a data frame and examined for continuity:  the  It was noticed that there were several gaps. This was handled by an outside join weighted on the dates and times of collection.  </a:t>
             </a:r>
           </a:p>
         </p:txBody>

--- a/Final Presentation__RobAdditions.pptx
+++ b/Final Presentation__RobAdditions.pptx
@@ -5620,8 +5620,8 @@
         </p:nvSpPr>
         <p:spPr>
           <a:xfrm>
-            <a:off x="4814618" y="1955942"/>
-            <a:ext cx="1143000" cy="923330"/>
+            <a:off x="5153490" y="1848928"/>
+            <a:ext cx="1143000" cy="3754874"/>
           </a:xfrm>
           <a:prstGeom prst="rect">
             <a:avLst/>
@@ -5635,12 +5635,8 @@
           <a:lstStyle/>
           <a:p>
             <a:r>
-              <a:rPr lang="en-US" dirty="0">
-                <a:highlight>
-                  <a:srgbClr val="FFFF00"/>
-                </a:highlight>
-              </a:rPr>
-              <a:t>Once the data was cleaned</a:t>
+              <a:rPr lang="en-US" sz="1400" dirty="0"/>
+              <a:t>After the data was scrubbed, it can be shown that a large portion of the data was salvaged for utilization in harvesting analysis plots, tables, and tests. </a:t>
             </a:r>
           </a:p>
         </p:txBody>
@@ -5659,8 +5655,8 @@
         </p:nvSpPr>
         <p:spPr>
           <a:xfrm>
-            <a:off x="173337" y="1865173"/>
-            <a:ext cx="1524000" cy="3323987"/>
+            <a:off x="254330" y="1905000"/>
+            <a:ext cx="1524000" cy="3754874"/>
           </a:xfrm>
           <a:prstGeom prst="rect">
             <a:avLst/>
@@ -5675,7 +5671,22 @@
           <a:p>
             <a:r>
               <a:rPr lang="en-US" sz="1400" dirty="0"/>
-              <a:t>All .csv files were combined into a data frame and examined for continuity:  the  It was noticed that there were several gaps. This was handled by an outside join weighted on the dates and times of collection.  </a:t>
+              <a:t>All .csv files were combined using an outside join technique, keying on the date/time collected. </a:t>
+            </a:r>
+          </a:p>
+          <a:p>
+            <a:endParaRPr lang="en-US" sz="1400" dirty="0"/>
+          </a:p>
+          <a:p>
+            <a:r>
+              <a:rPr lang="en-US" sz="1400" dirty="0"/>
+              <a:t>The data was examined for continuity: </a:t>
+            </a:r>
+          </a:p>
+          <a:p>
+            <a:r>
+              <a:rPr lang="en-US" sz="1400" dirty="0"/>
+              <a:t>It was noticed that there were several gaps that were solved by nulling these areas. </a:t>
             </a:r>
           </a:p>
         </p:txBody>
